--- a/docs/Neural_设计方案_V1.3.pptx
+++ b/docs/Neural_设计方案_V1.3.pptx
@@ -31,7 +31,7 @@
     <p:sldId id="321" r:id="rId22"/>
     <p:sldId id="322" r:id="rId23"/>
     <p:sldId id="323" r:id="rId24"/>
-    <p:sldId id="324" r:id="rId25"/>
+    <p:sldId id="326" r:id="rId25"/>
     <p:sldId id="325" r:id="rId26"/>
     <p:sldId id="308" r:id="rId27"/>
     <p:sldId id="286" r:id="rId28"/>
@@ -247,7 +247,7 @@
           <a:p>
             <a:fld id="{93B040F3-EB06-D54C-AA27-850D15F065E4}" type="datetimeFigureOut">
               <a:rPr kumimoji="1" lang="zh-CN" altLang="en-US" smtClean="0"/>
-              <a:t>16/7/29</a:t>
+              <a:t>16/8/1</a:t>
             </a:fld>
             <a:endParaRPr kumimoji="1" lang="zh-CN" altLang="en-US"/>
           </a:p>
@@ -696,7 +696,7 @@
           <a:p>
             <a:fld id="{60D9DDC8-7DC3-EA4B-903D-B88E771544DB}" type="datetime1">
               <a:rPr kumimoji="1" lang="zh-CN" altLang="en-US" smtClean="0"/>
-              <a:t>16/7/29</a:t>
+              <a:t>16/8/1</a:t>
             </a:fld>
             <a:endParaRPr kumimoji="1" lang="zh-CN" altLang="en-US"/>
           </a:p>
@@ -866,7 +866,7 @@
           <a:p>
             <a:fld id="{B95C184A-9458-8E45-90DF-D359135F2255}" type="datetime1">
               <a:rPr kumimoji="1" lang="zh-CN" altLang="en-US" smtClean="0"/>
-              <a:t>16/7/29</a:t>
+              <a:t>16/8/1</a:t>
             </a:fld>
             <a:endParaRPr kumimoji="1" lang="zh-CN" altLang="en-US"/>
           </a:p>
@@ -1046,7 +1046,7 @@
           <a:p>
             <a:fld id="{06CEB6BC-CA51-AA4A-B542-B89802A652EE}" type="datetime1">
               <a:rPr kumimoji="1" lang="zh-CN" altLang="en-US" smtClean="0"/>
-              <a:t>16/7/29</a:t>
+              <a:t>16/8/1</a:t>
             </a:fld>
             <a:endParaRPr kumimoji="1" lang="zh-CN" altLang="en-US"/>
           </a:p>
@@ -1216,7 +1216,7 @@
           <a:p>
             <a:fld id="{DE4B6EAE-BF81-CD45-9298-77474811232F}" type="datetime1">
               <a:rPr kumimoji="1" lang="zh-CN" altLang="en-US" smtClean="0"/>
-              <a:t>16/7/29</a:t>
+              <a:t>16/8/1</a:t>
             </a:fld>
             <a:endParaRPr kumimoji="1" lang="zh-CN" altLang="en-US"/>
           </a:p>
@@ -1462,7 +1462,7 @@
           <a:p>
             <a:fld id="{478113B1-1352-A34A-AF31-2C2E865337D0}" type="datetime1">
               <a:rPr kumimoji="1" lang="zh-CN" altLang="en-US" smtClean="0"/>
-              <a:t>16/7/29</a:t>
+              <a:t>16/8/1</a:t>
             </a:fld>
             <a:endParaRPr kumimoji="1" lang="zh-CN" altLang="en-US"/>
           </a:p>
@@ -1750,7 +1750,7 @@
           <a:p>
             <a:fld id="{385BB520-79EA-DD46-99B2-3460AF0A479A}" type="datetime1">
               <a:rPr kumimoji="1" lang="zh-CN" altLang="en-US" smtClean="0"/>
-              <a:t>16/7/29</a:t>
+              <a:t>16/8/1</a:t>
             </a:fld>
             <a:endParaRPr kumimoji="1" lang="zh-CN" altLang="en-US"/>
           </a:p>
@@ -2172,7 +2172,7 @@
           <a:p>
             <a:fld id="{DE619A6B-2664-E746-B80D-9AAAEE9FE95E}" type="datetime1">
               <a:rPr kumimoji="1" lang="zh-CN" altLang="en-US" smtClean="0"/>
-              <a:t>16/7/29</a:t>
+              <a:t>16/8/1</a:t>
             </a:fld>
             <a:endParaRPr kumimoji="1" lang="zh-CN" altLang="en-US"/>
           </a:p>
@@ -2290,7 +2290,7 @@
           <a:p>
             <a:fld id="{C407C5F7-FA8D-4B4A-BE69-15F5D980741F}" type="datetime1">
               <a:rPr kumimoji="1" lang="zh-CN" altLang="en-US" smtClean="0"/>
-              <a:t>16/7/29</a:t>
+              <a:t>16/8/1</a:t>
             </a:fld>
             <a:endParaRPr kumimoji="1" lang="zh-CN" altLang="en-US"/>
           </a:p>
@@ -2385,7 +2385,7 @@
           <a:p>
             <a:fld id="{E8B59D30-3662-804C-9C66-1A1383FDD18F}" type="datetime1">
               <a:rPr kumimoji="1" lang="zh-CN" altLang="en-US" smtClean="0"/>
-              <a:t>16/7/29</a:t>
+              <a:t>16/8/1</a:t>
             </a:fld>
             <a:endParaRPr kumimoji="1" lang="zh-CN" altLang="en-US"/>
           </a:p>
@@ -2662,7 +2662,7 @@
           <a:p>
             <a:fld id="{A39332A7-8F83-7F40-8BE8-5D64D17DC1FD}" type="datetime1">
               <a:rPr kumimoji="1" lang="zh-CN" altLang="en-US" smtClean="0"/>
-              <a:t>16/7/29</a:t>
+              <a:t>16/8/1</a:t>
             </a:fld>
             <a:endParaRPr kumimoji="1" lang="zh-CN" altLang="en-US"/>
           </a:p>
@@ -2915,7 +2915,7 @@
           <a:p>
             <a:fld id="{B5E6588E-3152-F74C-B687-672722691C17}" type="datetime1">
               <a:rPr kumimoji="1" lang="zh-CN" altLang="en-US" smtClean="0"/>
-              <a:t>16/7/29</a:t>
+              <a:t>16/8/1</a:t>
             </a:fld>
             <a:endParaRPr kumimoji="1" lang="zh-CN" altLang="en-US"/>
           </a:p>
@@ -3128,7 +3128,7 @@
           <a:p>
             <a:fld id="{9C7F7457-E60D-2345-82D8-E9D4493DC366}" type="datetime1">
               <a:rPr kumimoji="1" lang="zh-CN" altLang="en-US" smtClean="0"/>
-              <a:t>16/7/29</a:t>
+              <a:t>16/8/1</a:t>
             </a:fld>
             <a:endParaRPr kumimoji="1" lang="zh-CN" altLang="en-US"/>
           </a:p>
@@ -3687,15 +3687,7 @@
                 <a:ea typeface="SimHei" charset="0"/>
                 <a:cs typeface="SimHei" charset="0"/>
               </a:rPr>
-              <a:t> </a:t>
-            </a:r>
-            <a:r>
-              <a:rPr kumimoji="1" lang="zh-CN" altLang="en-US" sz="3200" dirty="0" smtClean="0">
-                <a:latin typeface="SimHei" charset="0"/>
-                <a:ea typeface="SimHei" charset="0"/>
-                <a:cs typeface="SimHei" charset="0"/>
-              </a:rPr>
-              <a:t>管道缩放</a:t>
+              <a:t> 管道缩放</a:t>
             </a:r>
             <a:endParaRPr kumimoji="1" lang="zh-CN" altLang="en-US" sz="3200" dirty="0">
               <a:latin typeface="SimHei" charset="0"/>
@@ -3802,15 +3794,7 @@
                 <a:ea typeface="SimHei" charset="0"/>
                 <a:cs typeface="SimHei" charset="0"/>
               </a:rPr>
-              <a:t> </a:t>
-            </a:r>
-            <a:r>
-              <a:rPr kumimoji="1" lang="zh-CN" altLang="en-US" sz="3200" dirty="0" smtClean="0">
-                <a:latin typeface="SimHei" charset="0"/>
-                <a:ea typeface="SimHei" charset="0"/>
-                <a:cs typeface="SimHei" charset="0"/>
-              </a:rPr>
-              <a:t>流量控制</a:t>
+              <a:t> 流量控制</a:t>
             </a:r>
             <a:endParaRPr kumimoji="1" lang="zh-CN" altLang="en-US" sz="3200" dirty="0">
               <a:latin typeface="SimHei" charset="0"/>
@@ -3917,15 +3901,7 @@
                 <a:ea typeface="SimHei" charset="0"/>
                 <a:cs typeface="SimHei" charset="0"/>
               </a:rPr>
-              <a:t> </a:t>
-            </a:r>
-            <a:r>
-              <a:rPr kumimoji="1" lang="zh-CN" altLang="en-US" sz="3200" dirty="0" smtClean="0">
-                <a:latin typeface="SimHei" charset="0"/>
-                <a:ea typeface="SimHei" charset="0"/>
-                <a:cs typeface="SimHei" charset="0"/>
-              </a:rPr>
-              <a:t>资源鉴权</a:t>
+              <a:t> 资源鉴权</a:t>
             </a:r>
             <a:endParaRPr kumimoji="1" lang="zh-CN" altLang="en-US" sz="3200" dirty="0">
               <a:latin typeface="SimHei" charset="0"/>
@@ -4032,15 +4008,7 @@
                 <a:ea typeface="SimHei" charset="0"/>
                 <a:cs typeface="SimHei" charset="0"/>
               </a:rPr>
-              <a:t> </a:t>
-            </a:r>
-            <a:r>
-              <a:rPr kumimoji="1" lang="zh-CN" altLang="en-US" sz="3200" dirty="0" smtClean="0">
-                <a:latin typeface="SimHei" charset="0"/>
-                <a:ea typeface="SimHei" charset="0"/>
-                <a:cs typeface="SimHei" charset="0"/>
-              </a:rPr>
-              <a:t>服务降级</a:t>
+              <a:t> 服务降级</a:t>
             </a:r>
             <a:endParaRPr kumimoji="1" lang="zh-CN" altLang="en-US" sz="3200" dirty="0">
               <a:latin typeface="SimHei" charset="0"/>
@@ -4147,15 +4115,7 @@
                 <a:ea typeface="SimHei" charset="0"/>
                 <a:cs typeface="SimHei" charset="0"/>
               </a:rPr>
-              <a:t> </a:t>
-            </a:r>
-            <a:r>
-              <a:rPr kumimoji="1" lang="zh-CN" altLang="en-US" sz="3200" dirty="0" smtClean="0">
-                <a:latin typeface="SimHei" charset="0"/>
-                <a:ea typeface="SimHei" charset="0"/>
-                <a:cs typeface="SimHei" charset="0"/>
-              </a:rPr>
-              <a:t>幂等控制</a:t>
+              <a:t> 幂等控制</a:t>
             </a:r>
             <a:endParaRPr kumimoji="1" lang="zh-CN" altLang="en-US" sz="3200" dirty="0">
               <a:latin typeface="SimHei" charset="0"/>
@@ -4262,15 +4222,7 @@
                 <a:ea typeface="SimHei" charset="0"/>
                 <a:cs typeface="SimHei" charset="0"/>
               </a:rPr>
-              <a:t> </a:t>
-            </a:r>
-            <a:r>
-              <a:rPr kumimoji="1" lang="zh-CN" altLang="en-US" sz="3200" dirty="0" smtClean="0">
-                <a:latin typeface="SimHei" charset="0"/>
-                <a:ea typeface="SimHei" charset="0"/>
-                <a:cs typeface="SimHei" charset="0"/>
-              </a:rPr>
-              <a:t>灰度路由</a:t>
+              <a:t> 灰度路由</a:t>
             </a:r>
             <a:endParaRPr kumimoji="1" lang="zh-CN" altLang="en-US" sz="3200" dirty="0">
               <a:latin typeface="SimHei" charset="0"/>
@@ -4377,15 +4329,7 @@
                 <a:ea typeface="SimHei" charset="0"/>
                 <a:cs typeface="SimHei" charset="0"/>
               </a:rPr>
-              <a:t> </a:t>
-            </a:r>
-            <a:r>
-              <a:rPr kumimoji="1" lang="zh-CN" altLang="en-US" sz="3200" dirty="0" smtClean="0">
-                <a:latin typeface="SimHei" charset="0"/>
-                <a:ea typeface="SimHei" charset="0"/>
-                <a:cs typeface="SimHei" charset="0"/>
-              </a:rPr>
-              <a:t>回声探测</a:t>
+              <a:t> 回声探测</a:t>
             </a:r>
             <a:endParaRPr kumimoji="1" lang="zh-CN" altLang="en-US" sz="3200" dirty="0">
               <a:latin typeface="SimHei" charset="0"/>
@@ -4492,15 +4436,7 @@
                 <a:ea typeface="SimHei" charset="0"/>
                 <a:cs typeface="SimHei" charset="0"/>
               </a:rPr>
-              <a:t> </a:t>
-            </a:r>
-            <a:r>
-              <a:rPr kumimoji="1" lang="zh-CN" altLang="en-US" sz="3200" dirty="0" smtClean="0">
-                <a:latin typeface="SimHei" charset="0"/>
-                <a:ea typeface="SimHei" charset="0"/>
-                <a:cs typeface="SimHei" charset="0"/>
-              </a:rPr>
-              <a:t>熔断拒绝</a:t>
+              <a:t> 熔断拒绝</a:t>
             </a:r>
             <a:endParaRPr kumimoji="1" lang="zh-CN" altLang="en-US" sz="3200" dirty="0">
               <a:latin typeface="SimHei" charset="0"/>
@@ -4607,15 +4543,7 @@
                 <a:ea typeface="SimHei" charset="0"/>
                 <a:cs typeface="SimHei" charset="0"/>
               </a:rPr>
-              <a:t> </a:t>
-            </a:r>
-            <a:r>
-              <a:rPr kumimoji="1" lang="zh-CN" altLang="en-US" sz="3200" dirty="0" smtClean="0">
-                <a:latin typeface="SimHei" charset="0"/>
-                <a:ea typeface="SimHei" charset="0"/>
-                <a:cs typeface="SimHei" charset="0"/>
-              </a:rPr>
-              <a:t>超时控制</a:t>
+              <a:t> 超时控制</a:t>
             </a:r>
             <a:endParaRPr kumimoji="1" lang="zh-CN" altLang="en-US" sz="3200" dirty="0">
               <a:latin typeface="SimHei" charset="0"/>
@@ -4722,15 +4650,7 @@
                 <a:ea typeface="SimHei" charset="0"/>
                 <a:cs typeface="SimHei" charset="0"/>
               </a:rPr>
-              <a:t> </a:t>
-            </a:r>
-            <a:r>
-              <a:rPr kumimoji="1" lang="zh-CN" altLang="en-US" sz="3200" dirty="0" smtClean="0">
-                <a:latin typeface="SimHei" charset="0"/>
-                <a:ea typeface="SimHei" charset="0"/>
-                <a:cs typeface="SimHei" charset="0"/>
-              </a:rPr>
-              <a:t>舱壁隔离</a:t>
+              <a:t> 舱壁隔离</a:t>
             </a:r>
             <a:endParaRPr kumimoji="1" lang="zh-CN" altLang="en-US" sz="3200" dirty="0">
               <a:latin typeface="SimHei" charset="0"/>
@@ -4951,15 +4871,7 @@
                 <a:ea typeface="SimHei" charset="0"/>
                 <a:cs typeface="SimHei" charset="0"/>
               </a:rPr>
-              <a:t> </a:t>
-            </a:r>
-            <a:r>
-              <a:rPr kumimoji="1" lang="zh-CN" altLang="en-US" sz="3200" dirty="0" smtClean="0">
-                <a:latin typeface="SimHei" charset="0"/>
-                <a:ea typeface="SimHei" charset="0"/>
-                <a:cs typeface="SimHei" charset="0"/>
-              </a:rPr>
-              <a:t>服务容错</a:t>
+              <a:t> 服务容错</a:t>
             </a:r>
             <a:endParaRPr kumimoji="1" lang="zh-CN" altLang="en-US" sz="3200" dirty="0">
               <a:latin typeface="SimHei" charset="0"/>
@@ -5066,15 +4978,7 @@
                 <a:ea typeface="SimHei" charset="0"/>
                 <a:cs typeface="SimHei" charset="0"/>
               </a:rPr>
-              <a:t> </a:t>
-            </a:r>
-            <a:r>
-              <a:rPr kumimoji="1" lang="zh-CN" altLang="en-US" sz="3200" dirty="0" smtClean="0">
-                <a:latin typeface="SimHei" charset="0"/>
-                <a:ea typeface="SimHei" charset="0"/>
-                <a:cs typeface="SimHei" charset="0"/>
-              </a:rPr>
-              <a:t>慢性尝试</a:t>
+              <a:t> 慢性尝试</a:t>
             </a:r>
             <a:endParaRPr kumimoji="1" lang="zh-CN" altLang="en-US" sz="3200" dirty="0">
               <a:latin typeface="SimHei" charset="0"/>
@@ -5172,31 +5076,7 @@
                 <a:ea typeface="SimHei" charset="0"/>
                 <a:cs typeface="SimHei" charset="0"/>
               </a:rPr>
-              <a:t>第</a:t>
-            </a:r>
-            <a:r>
-              <a:rPr kumimoji="1" lang="zh-CN" altLang="en-US" sz="4000" dirty="0" smtClean="0">
-                <a:latin typeface="SimHei" charset="0"/>
-                <a:ea typeface="SimHei" charset="0"/>
-                <a:cs typeface="SimHei" charset="0"/>
-              </a:rPr>
-              <a:t>四</a:t>
-            </a:r>
-            <a:r>
-              <a:rPr kumimoji="1" lang="zh-CN" altLang="en-US" sz="4000" dirty="0" smtClean="0">
-                <a:latin typeface="SimHei" charset="0"/>
-                <a:ea typeface="SimHei" charset="0"/>
-                <a:cs typeface="SimHei" charset="0"/>
-              </a:rPr>
-              <a:t>章 </a:t>
-            </a:r>
-            <a:r>
-              <a:rPr kumimoji="1" lang="zh-CN" altLang="en-US" sz="4000" dirty="0" smtClean="0">
-                <a:latin typeface="SimHei" charset="0"/>
-                <a:ea typeface="SimHei" charset="0"/>
-                <a:cs typeface="SimHei" charset="0"/>
-              </a:rPr>
-              <a:t>高级设计</a:t>
+              <a:t>第四章 高级设计</a:t>
             </a:r>
             <a:endParaRPr kumimoji="1" lang="zh-CN" altLang="en-US" sz="4000" dirty="0">
               <a:latin typeface="SimHei" charset="0"/>
@@ -5303,15 +5183,7 @@
                 <a:ea typeface="SimHei" charset="0"/>
                 <a:cs typeface="SimHei" charset="0"/>
               </a:rPr>
-              <a:t> </a:t>
-            </a:r>
-            <a:r>
-              <a:rPr kumimoji="1" lang="zh-CN" altLang="en-US" sz="3200" dirty="0" smtClean="0">
-                <a:latin typeface="SimHei" charset="0"/>
-                <a:ea typeface="SimHei" charset="0"/>
-                <a:cs typeface="SimHei" charset="0"/>
-              </a:rPr>
-              <a:t>实时监控</a:t>
+              <a:t> 实时监控</a:t>
             </a:r>
             <a:endParaRPr kumimoji="1" lang="zh-CN" altLang="en-US" sz="3200" dirty="0">
               <a:latin typeface="SimHei" charset="0"/>
@@ -5405,12 +5277,20 @@
           <a:p>
             <a:pPr algn="l"/>
             <a:r>
+              <a:rPr kumimoji="1" lang="en-US" altLang="zh-CN" sz="3200" dirty="0">
+                <a:latin typeface="SimHei" charset="0"/>
+                <a:ea typeface="SimHei" charset="0"/>
+                <a:cs typeface="SimHei" charset="0"/>
+              </a:rPr>
+              <a:t>4</a:t>
+            </a:r>
+            <a:r>
               <a:rPr kumimoji="1" lang="en-US" altLang="zh-CN" sz="3200" dirty="0" smtClean="0">
                 <a:latin typeface="SimHei" charset="0"/>
                 <a:ea typeface="SimHei" charset="0"/>
                 <a:cs typeface="SimHei" charset="0"/>
               </a:rPr>
-              <a:t>4.2</a:t>
+              <a:t>.2</a:t>
             </a:r>
             <a:r>
               <a:rPr kumimoji="1" lang="zh-CN" altLang="en-US" sz="3200" dirty="0" smtClean="0">
@@ -5459,10 +5339,1120 @@
           </a:p>
         </p:txBody>
       </p:sp>
+      <p:sp>
+        <p:nvSpPr>
+          <p:cNvPr id="26" name="圆角矩形 25"/>
+          <p:cNvSpPr/>
+          <p:nvPr/>
+        </p:nvSpPr>
+        <p:spPr>
+          <a:xfrm>
+            <a:off x="1174286" y="3315650"/>
+            <a:ext cx="1194300" cy="468000"/>
+          </a:xfrm>
+          <a:prstGeom prst="roundRect">
+            <a:avLst/>
+          </a:prstGeom>
+          <a:solidFill>
+            <a:srgbClr val="0070C0"/>
+          </a:solidFill>
+          <a:ln>
+            <a:solidFill>
+              <a:srgbClr val="0070C0"/>
+            </a:solidFill>
+          </a:ln>
+        </p:spPr>
+        <p:style>
+          <a:lnRef idx="1">
+            <a:schemeClr val="accent1"/>
+          </a:lnRef>
+          <a:fillRef idx="3">
+            <a:schemeClr val="accent1"/>
+          </a:fillRef>
+          <a:effectRef idx="2">
+            <a:schemeClr val="accent1"/>
+          </a:effectRef>
+          <a:fontRef idx="minor">
+            <a:schemeClr val="lt1"/>
+          </a:fontRef>
+        </p:style>
+        <p:txBody>
+          <a:bodyPr rtlCol="0" anchor="ctr"/>
+          <a:lstStyle/>
+          <a:p>
+            <a:pPr algn="ctr"/>
+            <a:r>
+              <a:rPr kumimoji="1" lang="en-US" altLang="zh-CN" sz="1400" dirty="0" smtClean="0">
+                <a:latin typeface="SimHei" charset="0"/>
+                <a:ea typeface="SimHei" charset="0"/>
+                <a:cs typeface="SimHei" charset="0"/>
+              </a:rPr>
+              <a:t>Neural</a:t>
+            </a:r>
+            <a:endParaRPr kumimoji="1" lang="zh-CN" altLang="en-US" sz="1400" dirty="0" smtClean="0">
+              <a:latin typeface="SimHei" charset="0"/>
+              <a:ea typeface="SimHei" charset="0"/>
+              <a:cs typeface="SimHei" charset="0"/>
+            </a:endParaRPr>
+          </a:p>
+          <a:p>
+            <a:pPr algn="ctr"/>
+            <a:r>
+              <a:rPr kumimoji="1" lang="zh-CN" altLang="en-US" sz="1400" dirty="0" smtClean="0">
+                <a:latin typeface="SimHei" charset="0"/>
+                <a:ea typeface="SimHei" charset="0"/>
+                <a:cs typeface="SimHei" charset="0"/>
+              </a:rPr>
+              <a:t>节点</a:t>
+            </a:r>
+            <a:r>
+              <a:rPr kumimoji="1" lang="en-US" altLang="zh-CN" sz="1400" dirty="0" smtClean="0">
+                <a:latin typeface="SimHei" charset="0"/>
+                <a:ea typeface="SimHei" charset="0"/>
+                <a:cs typeface="SimHei" charset="0"/>
+              </a:rPr>
+              <a:t>B</a:t>
+            </a:r>
+            <a:endParaRPr kumimoji="1" lang="zh-CN" altLang="en-US" sz="1400" dirty="0" smtClean="0">
+              <a:latin typeface="SimHei" charset="0"/>
+              <a:ea typeface="SimHei" charset="0"/>
+              <a:cs typeface="SimHei" charset="0"/>
+            </a:endParaRPr>
+          </a:p>
+        </p:txBody>
+      </p:sp>
+      <p:sp>
+        <p:nvSpPr>
+          <p:cNvPr id="27" name="圆角矩形 26"/>
+          <p:cNvSpPr/>
+          <p:nvPr/>
+        </p:nvSpPr>
+        <p:spPr>
+          <a:xfrm>
+            <a:off x="2594525" y="1795300"/>
+            <a:ext cx="1194300" cy="468000"/>
+          </a:xfrm>
+          <a:prstGeom prst="roundRect">
+            <a:avLst/>
+          </a:prstGeom>
+          <a:solidFill>
+            <a:schemeClr val="tx1">
+              <a:lumMod val="65000"/>
+              <a:lumOff val="35000"/>
+            </a:schemeClr>
+          </a:solidFill>
+          <a:ln>
+            <a:solidFill>
+              <a:schemeClr val="tx1">
+                <a:lumMod val="65000"/>
+                <a:lumOff val="35000"/>
+              </a:schemeClr>
+            </a:solidFill>
+          </a:ln>
+        </p:spPr>
+        <p:style>
+          <a:lnRef idx="1">
+            <a:schemeClr val="accent1"/>
+          </a:lnRef>
+          <a:fillRef idx="3">
+            <a:schemeClr val="accent1"/>
+          </a:fillRef>
+          <a:effectRef idx="2">
+            <a:schemeClr val="accent1"/>
+          </a:effectRef>
+          <a:fontRef idx="minor">
+            <a:schemeClr val="lt1"/>
+          </a:fontRef>
+        </p:style>
+        <p:txBody>
+          <a:bodyPr rtlCol="0" anchor="ctr"/>
+          <a:lstStyle/>
+          <a:p>
+            <a:pPr algn="ctr"/>
+            <a:r>
+              <a:rPr kumimoji="1" lang="en-US" altLang="zh-CN" sz="1400" dirty="0" smtClean="0">
+                <a:latin typeface="SimHei" charset="0"/>
+                <a:ea typeface="SimHei" charset="0"/>
+                <a:cs typeface="SimHei" charset="0"/>
+              </a:rPr>
+              <a:t>Neural</a:t>
+            </a:r>
+            <a:endParaRPr kumimoji="1" lang="zh-CN" altLang="en-US" sz="1400" dirty="0" smtClean="0">
+              <a:latin typeface="SimHei" charset="0"/>
+              <a:ea typeface="SimHei" charset="0"/>
+              <a:cs typeface="SimHei" charset="0"/>
+            </a:endParaRPr>
+          </a:p>
+          <a:p>
+            <a:pPr algn="ctr"/>
+            <a:r>
+              <a:rPr kumimoji="1" lang="zh-CN" altLang="en-US" sz="1400" dirty="0" smtClean="0">
+                <a:latin typeface="SimHei" charset="0"/>
+                <a:ea typeface="SimHei" charset="0"/>
+                <a:cs typeface="SimHei" charset="0"/>
+              </a:rPr>
+              <a:t>节点</a:t>
+            </a:r>
+            <a:r>
+              <a:rPr kumimoji="1" lang="en-US" altLang="zh-CN" sz="1400" dirty="0" smtClean="0">
+                <a:latin typeface="SimHei" charset="0"/>
+                <a:ea typeface="SimHei" charset="0"/>
+                <a:cs typeface="SimHei" charset="0"/>
+              </a:rPr>
+              <a:t>A</a:t>
+            </a:r>
+            <a:endParaRPr kumimoji="1" lang="zh-CN" altLang="en-US" sz="1400" dirty="0" smtClean="0">
+              <a:latin typeface="SimHei" charset="0"/>
+              <a:ea typeface="SimHei" charset="0"/>
+              <a:cs typeface="SimHei" charset="0"/>
+            </a:endParaRPr>
+          </a:p>
+        </p:txBody>
+      </p:sp>
+      <p:cxnSp>
+        <p:nvCxnSpPr>
+          <p:cNvPr id="30" name="曲线连接符 29"/>
+          <p:cNvCxnSpPr>
+            <a:stCxn id="26" idx="3"/>
+            <a:endCxn id="27" idx="2"/>
+          </p:cNvCxnSpPr>
+          <p:nvPr/>
+        </p:nvCxnSpPr>
+        <p:spPr>
+          <a:xfrm flipV="1">
+            <a:off x="2368586" y="2263300"/>
+            <a:ext cx="823089" cy="1286350"/>
+          </a:xfrm>
+          <a:prstGeom prst="curvedConnector2">
+            <a:avLst/>
+          </a:prstGeom>
+          <a:ln w="19050">
+            <a:solidFill>
+              <a:srgbClr val="0070C0"/>
+            </a:solidFill>
+            <a:prstDash val="solid"/>
+            <a:tailEnd type="arrow"/>
+          </a:ln>
+        </p:spPr>
+        <p:style>
+          <a:lnRef idx="2">
+            <a:schemeClr val="accent1"/>
+          </a:lnRef>
+          <a:fillRef idx="0">
+            <a:schemeClr val="accent1"/>
+          </a:fillRef>
+          <a:effectRef idx="1">
+            <a:schemeClr val="accent1"/>
+          </a:effectRef>
+          <a:fontRef idx="minor">
+            <a:schemeClr val="tx1"/>
+          </a:fontRef>
+        </p:style>
+      </p:cxnSp>
+      <p:sp>
+        <p:nvSpPr>
+          <p:cNvPr id="33" name="圆角矩形 32"/>
+          <p:cNvSpPr/>
+          <p:nvPr/>
+        </p:nvSpPr>
+        <p:spPr>
+          <a:xfrm>
+            <a:off x="3788825" y="3315650"/>
+            <a:ext cx="1194300" cy="468000"/>
+          </a:xfrm>
+          <a:prstGeom prst="roundRect">
+            <a:avLst/>
+          </a:prstGeom>
+          <a:solidFill>
+            <a:srgbClr val="0070C0"/>
+          </a:solidFill>
+          <a:ln>
+            <a:solidFill>
+              <a:srgbClr val="0070C0"/>
+            </a:solidFill>
+          </a:ln>
+        </p:spPr>
+        <p:style>
+          <a:lnRef idx="1">
+            <a:schemeClr val="accent1"/>
+          </a:lnRef>
+          <a:fillRef idx="3">
+            <a:schemeClr val="accent1"/>
+          </a:fillRef>
+          <a:effectRef idx="2">
+            <a:schemeClr val="accent1"/>
+          </a:effectRef>
+          <a:fontRef idx="minor">
+            <a:schemeClr val="lt1"/>
+          </a:fontRef>
+        </p:style>
+        <p:txBody>
+          <a:bodyPr rtlCol="0" anchor="ctr"/>
+          <a:lstStyle/>
+          <a:p>
+            <a:pPr algn="ctr"/>
+            <a:r>
+              <a:rPr kumimoji="1" lang="en-US" altLang="zh-CN" sz="1400" dirty="0" smtClean="0">
+                <a:latin typeface="SimHei" charset="0"/>
+                <a:ea typeface="SimHei" charset="0"/>
+                <a:cs typeface="SimHei" charset="0"/>
+              </a:rPr>
+              <a:t>Neural</a:t>
+            </a:r>
+            <a:endParaRPr kumimoji="1" lang="zh-CN" altLang="en-US" sz="1400" dirty="0" smtClean="0">
+              <a:latin typeface="SimHei" charset="0"/>
+              <a:ea typeface="SimHei" charset="0"/>
+              <a:cs typeface="SimHei" charset="0"/>
+            </a:endParaRPr>
+          </a:p>
+          <a:p>
+            <a:pPr algn="ctr"/>
+            <a:r>
+              <a:rPr kumimoji="1" lang="zh-CN" altLang="en-US" sz="1400" dirty="0" smtClean="0">
+                <a:latin typeface="SimHei" charset="0"/>
+                <a:ea typeface="SimHei" charset="0"/>
+                <a:cs typeface="SimHei" charset="0"/>
+              </a:rPr>
+              <a:t>节点</a:t>
+            </a:r>
+            <a:r>
+              <a:rPr kumimoji="1" lang="en-US" altLang="zh-CN" sz="1400" dirty="0" smtClean="0">
+                <a:latin typeface="SimHei" charset="0"/>
+                <a:ea typeface="SimHei" charset="0"/>
+                <a:cs typeface="SimHei" charset="0"/>
+              </a:rPr>
+              <a:t>B</a:t>
+            </a:r>
+            <a:endParaRPr kumimoji="1" lang="zh-CN" altLang="en-US" sz="1400" dirty="0" smtClean="0">
+              <a:latin typeface="SimHei" charset="0"/>
+              <a:ea typeface="SimHei" charset="0"/>
+              <a:cs typeface="SimHei" charset="0"/>
+            </a:endParaRPr>
+          </a:p>
+        </p:txBody>
+      </p:sp>
+      <p:cxnSp>
+        <p:nvCxnSpPr>
+          <p:cNvPr id="34" name="曲线连接符 33"/>
+          <p:cNvCxnSpPr>
+            <a:stCxn id="27" idx="3"/>
+            <a:endCxn id="33" idx="0"/>
+          </p:cNvCxnSpPr>
+          <p:nvPr/>
+        </p:nvCxnSpPr>
+        <p:spPr>
+          <a:xfrm>
+            <a:off x="3788825" y="2029300"/>
+            <a:ext cx="597150" cy="1286350"/>
+          </a:xfrm>
+          <a:prstGeom prst="curvedConnector2">
+            <a:avLst/>
+          </a:prstGeom>
+          <a:ln w="19050">
+            <a:solidFill>
+              <a:srgbClr val="0070C0"/>
+            </a:solidFill>
+            <a:prstDash val="solid"/>
+            <a:tailEnd type="arrow"/>
+          </a:ln>
+        </p:spPr>
+        <p:style>
+          <a:lnRef idx="2">
+            <a:schemeClr val="accent1"/>
+          </a:lnRef>
+          <a:fillRef idx="0">
+            <a:schemeClr val="accent1"/>
+          </a:fillRef>
+          <a:effectRef idx="1">
+            <a:schemeClr val="accent1"/>
+          </a:effectRef>
+          <a:fontRef idx="minor">
+            <a:schemeClr val="tx1"/>
+          </a:fontRef>
+        </p:style>
+      </p:cxnSp>
+      <p:cxnSp>
+        <p:nvCxnSpPr>
+          <p:cNvPr id="39" name="曲线连接符 38"/>
+          <p:cNvCxnSpPr>
+            <a:stCxn id="27" idx="1"/>
+            <a:endCxn id="26" idx="0"/>
+          </p:cNvCxnSpPr>
+          <p:nvPr/>
+        </p:nvCxnSpPr>
+        <p:spPr>
+          <a:xfrm rot="10800000" flipV="1">
+            <a:off x="1771437" y="2029300"/>
+            <a:ext cx="823089" cy="1286350"/>
+          </a:xfrm>
+          <a:prstGeom prst="curvedConnector2">
+            <a:avLst/>
+          </a:prstGeom>
+          <a:ln w="19050">
+            <a:solidFill>
+              <a:srgbClr val="0070C0"/>
+            </a:solidFill>
+            <a:prstDash val="solid"/>
+            <a:tailEnd type="arrow"/>
+          </a:ln>
+        </p:spPr>
+        <p:style>
+          <a:lnRef idx="2">
+            <a:schemeClr val="accent1"/>
+          </a:lnRef>
+          <a:fillRef idx="0">
+            <a:schemeClr val="accent1"/>
+          </a:fillRef>
+          <a:effectRef idx="1">
+            <a:schemeClr val="accent1"/>
+          </a:effectRef>
+          <a:fontRef idx="minor">
+            <a:schemeClr val="tx1"/>
+          </a:fontRef>
+        </p:style>
+      </p:cxnSp>
+      <p:cxnSp>
+        <p:nvCxnSpPr>
+          <p:cNvPr id="50" name="曲线连接符 49"/>
+          <p:cNvCxnSpPr>
+            <a:stCxn id="33" idx="1"/>
+            <a:endCxn id="27" idx="2"/>
+          </p:cNvCxnSpPr>
+          <p:nvPr/>
+        </p:nvCxnSpPr>
+        <p:spPr>
+          <a:xfrm rot="10800000">
+            <a:off x="3191675" y="2263300"/>
+            <a:ext cx="597150" cy="1286350"/>
+          </a:xfrm>
+          <a:prstGeom prst="curvedConnector2">
+            <a:avLst/>
+          </a:prstGeom>
+          <a:ln w="19050">
+            <a:solidFill>
+              <a:srgbClr val="0070C0"/>
+            </a:solidFill>
+            <a:prstDash val="solid"/>
+            <a:tailEnd type="arrow"/>
+          </a:ln>
+        </p:spPr>
+        <p:style>
+          <a:lnRef idx="2">
+            <a:schemeClr val="accent1"/>
+          </a:lnRef>
+          <a:fillRef idx="0">
+            <a:schemeClr val="accent1"/>
+          </a:fillRef>
+          <a:effectRef idx="1">
+            <a:schemeClr val="accent1"/>
+          </a:effectRef>
+          <a:fontRef idx="minor">
+            <a:schemeClr val="tx1"/>
+          </a:fontRef>
+        </p:style>
+      </p:cxnSp>
+      <p:sp>
+        <p:nvSpPr>
+          <p:cNvPr id="59" name="圆角矩形 58"/>
+          <p:cNvSpPr/>
+          <p:nvPr/>
+        </p:nvSpPr>
+        <p:spPr>
+          <a:xfrm>
+            <a:off x="3788825" y="5070000"/>
+            <a:ext cx="1194300" cy="468000"/>
+          </a:xfrm>
+          <a:prstGeom prst="roundRect">
+            <a:avLst/>
+          </a:prstGeom>
+          <a:solidFill>
+            <a:srgbClr val="0070C0"/>
+          </a:solidFill>
+          <a:ln>
+            <a:solidFill>
+              <a:srgbClr val="0070C0"/>
+            </a:solidFill>
+          </a:ln>
+        </p:spPr>
+        <p:style>
+          <a:lnRef idx="1">
+            <a:schemeClr val="accent1"/>
+          </a:lnRef>
+          <a:fillRef idx="3">
+            <a:schemeClr val="accent1"/>
+          </a:fillRef>
+          <a:effectRef idx="2">
+            <a:schemeClr val="accent1"/>
+          </a:effectRef>
+          <a:fontRef idx="minor">
+            <a:schemeClr val="lt1"/>
+          </a:fontRef>
+        </p:style>
+        <p:txBody>
+          <a:bodyPr rtlCol="0" anchor="ctr"/>
+          <a:lstStyle/>
+          <a:p>
+            <a:pPr algn="ctr"/>
+            <a:r>
+              <a:rPr kumimoji="1" lang="en-US" altLang="zh-CN" sz="1400" dirty="0" smtClean="0">
+                <a:latin typeface="SimHei" charset="0"/>
+                <a:ea typeface="SimHei" charset="0"/>
+                <a:cs typeface="SimHei" charset="0"/>
+              </a:rPr>
+              <a:t>Neural</a:t>
+            </a:r>
+            <a:endParaRPr kumimoji="1" lang="zh-CN" altLang="en-US" sz="1400" dirty="0" smtClean="0">
+              <a:latin typeface="SimHei" charset="0"/>
+              <a:ea typeface="SimHei" charset="0"/>
+              <a:cs typeface="SimHei" charset="0"/>
+            </a:endParaRPr>
+          </a:p>
+          <a:p>
+            <a:pPr algn="ctr"/>
+            <a:r>
+              <a:rPr kumimoji="1" lang="zh-CN" altLang="en-US" sz="1400" dirty="0" smtClean="0">
+                <a:latin typeface="SimHei" charset="0"/>
+                <a:ea typeface="SimHei" charset="0"/>
+                <a:cs typeface="SimHei" charset="0"/>
+              </a:rPr>
+              <a:t>节点</a:t>
+            </a:r>
+            <a:r>
+              <a:rPr kumimoji="1" lang="en-US" altLang="zh-CN" sz="1400" dirty="0" smtClean="0">
+                <a:latin typeface="SimHei" charset="0"/>
+                <a:ea typeface="SimHei" charset="0"/>
+                <a:cs typeface="SimHei" charset="0"/>
+              </a:rPr>
+              <a:t>B</a:t>
+            </a:r>
+            <a:endParaRPr kumimoji="1" lang="zh-CN" altLang="en-US" sz="1400" dirty="0" smtClean="0">
+              <a:latin typeface="SimHei" charset="0"/>
+              <a:ea typeface="SimHei" charset="0"/>
+              <a:cs typeface="SimHei" charset="0"/>
+            </a:endParaRPr>
+          </a:p>
+        </p:txBody>
+      </p:sp>
+      <p:cxnSp>
+        <p:nvCxnSpPr>
+          <p:cNvPr id="60" name="曲线连接符 59"/>
+          <p:cNvCxnSpPr>
+            <a:stCxn id="33" idx="3"/>
+            <a:endCxn id="59" idx="3"/>
+          </p:cNvCxnSpPr>
+          <p:nvPr/>
+        </p:nvCxnSpPr>
+        <p:spPr>
+          <a:xfrm>
+            <a:off x="4983125" y="3549650"/>
+            <a:ext cx="12700" cy="1754350"/>
+          </a:xfrm>
+          <a:prstGeom prst="curvedConnector3">
+            <a:avLst>
+              <a:gd name="adj1" fmla="val 1800000"/>
+            </a:avLst>
+          </a:prstGeom>
+          <a:ln w="19050">
+            <a:solidFill>
+              <a:srgbClr val="0070C0"/>
+            </a:solidFill>
+            <a:prstDash val="solid"/>
+            <a:tailEnd type="arrow"/>
+          </a:ln>
+        </p:spPr>
+        <p:style>
+          <a:lnRef idx="2">
+            <a:schemeClr val="accent1"/>
+          </a:lnRef>
+          <a:fillRef idx="0">
+            <a:schemeClr val="accent1"/>
+          </a:fillRef>
+          <a:effectRef idx="1">
+            <a:schemeClr val="accent1"/>
+          </a:effectRef>
+          <a:fontRef idx="minor">
+            <a:schemeClr val="tx1"/>
+          </a:fontRef>
+        </p:style>
+      </p:cxnSp>
+      <p:cxnSp>
+        <p:nvCxnSpPr>
+          <p:cNvPr id="63" name="曲线连接符 62"/>
+          <p:cNvCxnSpPr>
+            <a:stCxn id="59" idx="1"/>
+            <a:endCxn id="33" idx="2"/>
+          </p:cNvCxnSpPr>
+          <p:nvPr/>
+        </p:nvCxnSpPr>
+        <p:spPr>
+          <a:xfrm rot="10800000" flipH="1">
+            <a:off x="3788825" y="3783650"/>
+            <a:ext cx="597150" cy="1520350"/>
+          </a:xfrm>
+          <a:prstGeom prst="curvedConnector4">
+            <a:avLst>
+              <a:gd name="adj1" fmla="val -38282"/>
+              <a:gd name="adj2" fmla="val 57696"/>
+            </a:avLst>
+          </a:prstGeom>
+          <a:ln w="19050">
+            <a:solidFill>
+              <a:srgbClr val="0070C0"/>
+            </a:solidFill>
+            <a:prstDash val="solid"/>
+            <a:tailEnd type="arrow"/>
+          </a:ln>
+        </p:spPr>
+        <p:style>
+          <a:lnRef idx="2">
+            <a:schemeClr val="accent1"/>
+          </a:lnRef>
+          <a:fillRef idx="0">
+            <a:schemeClr val="accent1"/>
+          </a:fillRef>
+          <a:effectRef idx="1">
+            <a:schemeClr val="accent1"/>
+          </a:effectRef>
+          <a:fontRef idx="minor">
+            <a:schemeClr val="tx1"/>
+          </a:fontRef>
+        </p:style>
+      </p:cxnSp>
+      <p:sp>
+        <p:nvSpPr>
+          <p:cNvPr id="52" name="文本框 51"/>
+          <p:cNvSpPr txBox="1"/>
+          <p:nvPr/>
+        </p:nvSpPr>
+        <p:spPr>
+          <a:xfrm>
+            <a:off x="2724468" y="1052650"/>
+            <a:ext cx="1494320" cy="646331"/>
+          </a:xfrm>
+          <a:prstGeom prst="rect">
+            <a:avLst/>
+          </a:prstGeom>
+          <a:noFill/>
+        </p:spPr>
+        <p:txBody>
+          <a:bodyPr wrap="none" rtlCol="0">
+            <a:spAutoFit/>
+          </a:bodyPr>
+          <a:lstStyle/>
+          <a:p>
+            <a:r>
+              <a:rPr kumimoji="1" lang="zh-CN" altLang="en-US" dirty="0" smtClean="0"/>
+              <a:t>交易</a:t>
+            </a:r>
+            <a:r>
+              <a:rPr kumimoji="1" lang="en-US" altLang="zh-CN" dirty="0" smtClean="0"/>
+              <a:t>001</a:t>
+            </a:r>
+            <a:endParaRPr kumimoji="1" lang="zh-CN" altLang="en-US" dirty="0" smtClean="0"/>
+          </a:p>
+          <a:p>
+            <a:r>
+              <a:rPr kumimoji="1" lang="zh-CN" altLang="en-US" dirty="0" smtClean="0"/>
+              <a:t>交易</a:t>
+            </a:r>
+            <a:r>
+              <a:rPr kumimoji="1" lang="en-US" altLang="zh-CN" dirty="0" smtClean="0"/>
+              <a:t>ID:10000</a:t>
+            </a:r>
+            <a:endParaRPr kumimoji="1" lang="zh-CN" altLang="en-US" dirty="0" smtClean="0"/>
+          </a:p>
+        </p:txBody>
+      </p:sp>
+      <p:sp>
+        <p:nvSpPr>
+          <p:cNvPr id="53" name="文本框 52"/>
+          <p:cNvSpPr txBox="1"/>
+          <p:nvPr/>
+        </p:nvSpPr>
+        <p:spPr>
+          <a:xfrm>
+            <a:off x="4371975" y="2443163"/>
+            <a:ext cx="1141659" cy="276999"/>
+          </a:xfrm>
+          <a:prstGeom prst="rect">
+            <a:avLst/>
+          </a:prstGeom>
+          <a:noFill/>
+        </p:spPr>
+        <p:txBody>
+          <a:bodyPr wrap="none" rtlCol="0">
+            <a:spAutoFit/>
+          </a:bodyPr>
+          <a:lstStyle/>
+          <a:p>
+            <a:r>
+              <a:rPr kumimoji="1" lang="zh-CN" altLang="en-US" sz="1200" dirty="0" smtClean="0"/>
+              <a:t>请求耗时</a:t>
+            </a:r>
+            <a:r>
+              <a:rPr kumimoji="1" lang="en-US" altLang="zh-CN" sz="1200" dirty="0" smtClean="0"/>
+              <a:t>50ms</a:t>
+            </a:r>
+            <a:endParaRPr kumimoji="1" lang="zh-CN" altLang="en-US" sz="1200" dirty="0"/>
+          </a:p>
+        </p:txBody>
+      </p:sp>
+      <p:sp>
+        <p:nvSpPr>
+          <p:cNvPr id="74" name="文本框 73"/>
+          <p:cNvSpPr txBox="1"/>
+          <p:nvPr/>
+        </p:nvSpPr>
+        <p:spPr>
+          <a:xfrm>
+            <a:off x="3365984" y="2787074"/>
+            <a:ext cx="679994" cy="461665"/>
+          </a:xfrm>
+          <a:prstGeom prst="rect">
+            <a:avLst/>
+          </a:prstGeom>
+          <a:noFill/>
+        </p:spPr>
+        <p:txBody>
+          <a:bodyPr wrap="none" rtlCol="0">
+            <a:spAutoFit/>
+          </a:bodyPr>
+          <a:lstStyle/>
+          <a:p>
+            <a:r>
+              <a:rPr kumimoji="1" lang="zh-CN" altLang="en-US" sz="1200" dirty="0" smtClean="0"/>
+              <a:t>响应耗</a:t>
+            </a:r>
+          </a:p>
+          <a:p>
+            <a:r>
+              <a:rPr kumimoji="1" lang="zh-CN" altLang="en-US" sz="1200" dirty="0" smtClean="0"/>
+              <a:t>时</a:t>
+            </a:r>
+            <a:r>
+              <a:rPr kumimoji="1" lang="en-US" altLang="zh-CN" sz="1200" dirty="0" smtClean="0"/>
+              <a:t>64ms</a:t>
+            </a:r>
+            <a:endParaRPr kumimoji="1" lang="zh-CN" altLang="en-US" sz="1200" dirty="0"/>
+          </a:p>
+        </p:txBody>
+      </p:sp>
+      <p:sp>
+        <p:nvSpPr>
+          <p:cNvPr id="75" name="文本框 74"/>
+          <p:cNvSpPr txBox="1"/>
+          <p:nvPr/>
+        </p:nvSpPr>
+        <p:spPr>
+          <a:xfrm>
+            <a:off x="2300260" y="2740153"/>
+            <a:ext cx="679994" cy="461665"/>
+          </a:xfrm>
+          <a:prstGeom prst="rect">
+            <a:avLst/>
+          </a:prstGeom>
+          <a:noFill/>
+        </p:spPr>
+        <p:txBody>
+          <a:bodyPr wrap="none" rtlCol="0">
+            <a:spAutoFit/>
+          </a:bodyPr>
+          <a:lstStyle/>
+          <a:p>
+            <a:r>
+              <a:rPr kumimoji="1" lang="zh-CN" altLang="en-US" sz="1200" dirty="0" smtClean="0"/>
+              <a:t>响应耗</a:t>
+            </a:r>
+          </a:p>
+          <a:p>
+            <a:r>
+              <a:rPr kumimoji="1" lang="zh-CN" altLang="en-US" sz="1200" dirty="0" smtClean="0"/>
+              <a:t>时</a:t>
+            </a:r>
+            <a:r>
+              <a:rPr kumimoji="1" lang="en-US" altLang="zh-CN" sz="1200" dirty="0" smtClean="0"/>
+              <a:t>34ms</a:t>
+            </a:r>
+            <a:endParaRPr kumimoji="1" lang="zh-CN" altLang="en-US" sz="1200" dirty="0"/>
+          </a:p>
+        </p:txBody>
+      </p:sp>
+      <p:sp>
+        <p:nvSpPr>
+          <p:cNvPr id="76" name="文本框 75"/>
+          <p:cNvSpPr txBox="1"/>
+          <p:nvPr/>
+        </p:nvSpPr>
+        <p:spPr>
+          <a:xfrm>
+            <a:off x="895101" y="2304663"/>
+            <a:ext cx="1141659" cy="276999"/>
+          </a:xfrm>
+          <a:prstGeom prst="rect">
+            <a:avLst/>
+          </a:prstGeom>
+          <a:noFill/>
+        </p:spPr>
+        <p:txBody>
+          <a:bodyPr wrap="none" rtlCol="0">
+            <a:spAutoFit/>
+          </a:bodyPr>
+          <a:lstStyle/>
+          <a:p>
+            <a:r>
+              <a:rPr kumimoji="1" lang="zh-CN" altLang="en-US" sz="1200" dirty="0" smtClean="0"/>
+              <a:t>请求耗时</a:t>
+            </a:r>
+            <a:r>
+              <a:rPr kumimoji="1" lang="en-US" altLang="zh-CN" sz="1200" dirty="0" smtClean="0"/>
+              <a:t>13ms</a:t>
+            </a:r>
+            <a:endParaRPr kumimoji="1" lang="zh-CN" altLang="en-US" sz="1200" dirty="0"/>
+          </a:p>
+        </p:txBody>
+      </p:sp>
+      <p:sp>
+        <p:nvSpPr>
+          <p:cNvPr id="77" name="文本框 76"/>
+          <p:cNvSpPr txBox="1"/>
+          <p:nvPr/>
+        </p:nvSpPr>
+        <p:spPr>
+          <a:xfrm>
+            <a:off x="5235383" y="4288325"/>
+            <a:ext cx="1141659" cy="276999"/>
+          </a:xfrm>
+          <a:prstGeom prst="rect">
+            <a:avLst/>
+          </a:prstGeom>
+          <a:noFill/>
+        </p:spPr>
+        <p:txBody>
+          <a:bodyPr wrap="none" rtlCol="0">
+            <a:spAutoFit/>
+          </a:bodyPr>
+          <a:lstStyle/>
+          <a:p>
+            <a:r>
+              <a:rPr kumimoji="1" lang="zh-CN" altLang="en-US" sz="1200" dirty="0" smtClean="0"/>
+              <a:t>请求耗时</a:t>
+            </a:r>
+            <a:r>
+              <a:rPr kumimoji="1" lang="en-US" altLang="zh-CN" sz="1200" dirty="0" smtClean="0"/>
+              <a:t>42ms</a:t>
+            </a:r>
+            <a:endParaRPr kumimoji="1" lang="zh-CN" altLang="en-US" sz="1200" dirty="0"/>
+          </a:p>
+        </p:txBody>
+      </p:sp>
+      <p:sp>
+        <p:nvSpPr>
+          <p:cNvPr id="78" name="文本框 77"/>
+          <p:cNvSpPr txBox="1"/>
+          <p:nvPr/>
+        </p:nvSpPr>
+        <p:spPr>
+          <a:xfrm>
+            <a:off x="2640257" y="4405325"/>
+            <a:ext cx="1141659" cy="276999"/>
+          </a:xfrm>
+          <a:prstGeom prst="rect">
+            <a:avLst/>
+          </a:prstGeom>
+          <a:noFill/>
+        </p:spPr>
+        <p:txBody>
+          <a:bodyPr wrap="none" rtlCol="0">
+            <a:spAutoFit/>
+          </a:bodyPr>
+          <a:lstStyle/>
+          <a:p>
+            <a:r>
+              <a:rPr kumimoji="1" lang="zh-CN" altLang="en-US" sz="1200" dirty="0" smtClean="0"/>
+              <a:t>响应耗时</a:t>
+            </a:r>
+            <a:r>
+              <a:rPr kumimoji="1" lang="en-US" altLang="zh-CN" sz="1200" dirty="0" smtClean="0"/>
+              <a:t>42ms</a:t>
+            </a:r>
+            <a:endParaRPr kumimoji="1" lang="zh-CN" altLang="en-US" sz="1200" dirty="0"/>
+          </a:p>
+        </p:txBody>
+      </p:sp>
+      <p:sp>
+        <p:nvSpPr>
+          <p:cNvPr id="80" name="文本框 79"/>
+          <p:cNvSpPr txBox="1"/>
+          <p:nvPr/>
+        </p:nvSpPr>
+        <p:spPr>
+          <a:xfrm>
+            <a:off x="5209064" y="3411150"/>
+            <a:ext cx="1186543" cy="276999"/>
+          </a:xfrm>
+          <a:prstGeom prst="rect">
+            <a:avLst/>
+          </a:prstGeom>
+          <a:noFill/>
+        </p:spPr>
+        <p:txBody>
+          <a:bodyPr wrap="none" rtlCol="0">
+            <a:spAutoFit/>
+          </a:bodyPr>
+          <a:lstStyle/>
+          <a:p>
+            <a:r>
+              <a:rPr kumimoji="1" lang="zh-CN" altLang="en-US" sz="1200" dirty="0" smtClean="0">
+                <a:solidFill>
+                  <a:srgbClr val="C00000"/>
+                </a:solidFill>
+              </a:rPr>
+              <a:t>本节点重试</a:t>
+            </a:r>
+            <a:r>
+              <a:rPr kumimoji="1" lang="en-US" altLang="zh-CN" sz="1200" dirty="0" smtClean="0">
+                <a:solidFill>
+                  <a:srgbClr val="C00000"/>
+                </a:solidFill>
+              </a:rPr>
+              <a:t>2</a:t>
+            </a:r>
+            <a:r>
+              <a:rPr kumimoji="1" lang="zh-CN" altLang="en-US" sz="1200" dirty="0" smtClean="0">
+                <a:solidFill>
+                  <a:srgbClr val="C00000"/>
+                </a:solidFill>
+              </a:rPr>
+              <a:t>次</a:t>
+            </a:r>
+            <a:endParaRPr kumimoji="1" lang="zh-CN" altLang="en-US" sz="1200" dirty="0">
+              <a:solidFill>
+                <a:srgbClr val="C00000"/>
+              </a:solidFill>
+            </a:endParaRPr>
+          </a:p>
+        </p:txBody>
+      </p:sp>
+      <p:sp>
+        <p:nvSpPr>
+          <p:cNvPr id="81" name="文本框 80"/>
+          <p:cNvSpPr txBox="1"/>
+          <p:nvPr/>
+        </p:nvSpPr>
+        <p:spPr>
+          <a:xfrm>
+            <a:off x="101671" y="3506651"/>
+            <a:ext cx="1186543" cy="276999"/>
+          </a:xfrm>
+          <a:prstGeom prst="rect">
+            <a:avLst/>
+          </a:prstGeom>
+          <a:noFill/>
+        </p:spPr>
+        <p:txBody>
+          <a:bodyPr wrap="none" rtlCol="0">
+            <a:spAutoFit/>
+          </a:bodyPr>
+          <a:lstStyle/>
+          <a:p>
+            <a:r>
+              <a:rPr kumimoji="1" lang="zh-CN" altLang="en-US" sz="1200" dirty="0" smtClean="0">
+                <a:solidFill>
+                  <a:srgbClr val="C00000"/>
+                </a:solidFill>
+              </a:rPr>
+              <a:t>本节点重试</a:t>
+            </a:r>
+            <a:r>
+              <a:rPr kumimoji="1" lang="en-US" altLang="zh-CN" sz="1200" dirty="0">
+                <a:solidFill>
+                  <a:srgbClr val="C00000"/>
+                </a:solidFill>
+              </a:rPr>
+              <a:t>0</a:t>
+            </a:r>
+            <a:r>
+              <a:rPr kumimoji="1" lang="zh-CN" altLang="en-US" sz="1200" dirty="0" smtClean="0">
+                <a:solidFill>
+                  <a:srgbClr val="C00000"/>
+                </a:solidFill>
+              </a:rPr>
+              <a:t>次</a:t>
+            </a:r>
+            <a:endParaRPr kumimoji="1" lang="zh-CN" altLang="en-US" sz="1200" dirty="0">
+              <a:solidFill>
+                <a:srgbClr val="C00000"/>
+              </a:solidFill>
+            </a:endParaRPr>
+          </a:p>
+        </p:txBody>
+      </p:sp>
+      <p:sp>
+        <p:nvSpPr>
+          <p:cNvPr id="82" name="文本框 81"/>
+          <p:cNvSpPr txBox="1"/>
+          <p:nvPr/>
+        </p:nvSpPr>
+        <p:spPr>
+          <a:xfrm>
+            <a:off x="2980254" y="5765676"/>
+            <a:ext cx="2666114" cy="276999"/>
+          </a:xfrm>
+          <a:prstGeom prst="rect">
+            <a:avLst/>
+          </a:prstGeom>
+          <a:noFill/>
+        </p:spPr>
+        <p:txBody>
+          <a:bodyPr wrap="none" rtlCol="0">
+            <a:spAutoFit/>
+          </a:bodyPr>
+          <a:lstStyle/>
+          <a:p>
+            <a:r>
+              <a:rPr kumimoji="1" lang="zh-CN" altLang="en-US" sz="1200" dirty="0" smtClean="0">
+                <a:solidFill>
+                  <a:srgbClr val="C00000"/>
+                </a:solidFill>
+              </a:rPr>
+              <a:t>本节点重试</a:t>
+            </a:r>
+            <a:r>
+              <a:rPr kumimoji="1" lang="en-US" altLang="zh-CN" sz="1200" dirty="0" smtClean="0">
+                <a:solidFill>
+                  <a:srgbClr val="C00000"/>
+                </a:solidFill>
+              </a:rPr>
+              <a:t>3</a:t>
+            </a:r>
+            <a:r>
+              <a:rPr kumimoji="1" lang="zh-CN" altLang="en-US" sz="1200" dirty="0" smtClean="0">
+                <a:solidFill>
+                  <a:srgbClr val="C00000"/>
+                </a:solidFill>
+              </a:rPr>
+              <a:t>次后调用</a:t>
+            </a:r>
+            <a:r>
+              <a:rPr kumimoji="1" lang="en-US" altLang="zh-CN" sz="1200" dirty="0" smtClean="0">
+                <a:solidFill>
+                  <a:srgbClr val="C00000"/>
+                </a:solidFill>
+              </a:rPr>
+              <a:t>mock</a:t>
+            </a:r>
+            <a:r>
+              <a:rPr kumimoji="1" lang="zh-CN" altLang="en-US" sz="1200" dirty="0" smtClean="0">
+                <a:solidFill>
+                  <a:srgbClr val="C00000"/>
+                </a:solidFill>
+              </a:rPr>
+              <a:t>进行降级</a:t>
+            </a:r>
+            <a:endParaRPr kumimoji="1" lang="zh-CN" altLang="en-US" sz="1200" dirty="0">
+              <a:solidFill>
+                <a:srgbClr val="C00000"/>
+              </a:solidFill>
+            </a:endParaRPr>
+          </a:p>
+        </p:txBody>
+      </p:sp>
+      <p:sp>
+        <p:nvSpPr>
+          <p:cNvPr id="83" name="文本框 82"/>
+          <p:cNvSpPr txBox="1"/>
+          <p:nvPr/>
+        </p:nvSpPr>
+        <p:spPr>
+          <a:xfrm>
+            <a:off x="3978728" y="1836663"/>
+            <a:ext cx="1186543" cy="276999"/>
+          </a:xfrm>
+          <a:prstGeom prst="rect">
+            <a:avLst/>
+          </a:prstGeom>
+          <a:noFill/>
+        </p:spPr>
+        <p:txBody>
+          <a:bodyPr wrap="none" rtlCol="0">
+            <a:spAutoFit/>
+          </a:bodyPr>
+          <a:lstStyle/>
+          <a:p>
+            <a:r>
+              <a:rPr kumimoji="1" lang="zh-CN" altLang="en-US" sz="1200" dirty="0" smtClean="0">
+                <a:solidFill>
+                  <a:srgbClr val="C00000"/>
+                </a:solidFill>
+              </a:rPr>
+              <a:t>本节点重试</a:t>
+            </a:r>
+            <a:r>
+              <a:rPr kumimoji="1" lang="en-US" altLang="zh-CN" sz="1200" dirty="0" smtClean="0">
+                <a:solidFill>
+                  <a:srgbClr val="C00000"/>
+                </a:solidFill>
+              </a:rPr>
+              <a:t>0</a:t>
+            </a:r>
+            <a:r>
+              <a:rPr kumimoji="1" lang="zh-CN" altLang="en-US" sz="1200" dirty="0" smtClean="0">
+                <a:solidFill>
+                  <a:srgbClr val="C00000"/>
+                </a:solidFill>
+              </a:rPr>
+              <a:t>次</a:t>
+            </a:r>
+            <a:endParaRPr kumimoji="1" lang="zh-CN" altLang="en-US" sz="1200" dirty="0">
+              <a:solidFill>
+                <a:srgbClr val="C00000"/>
+              </a:solidFill>
+            </a:endParaRPr>
+          </a:p>
+        </p:txBody>
+      </p:sp>
+      <p:sp>
+        <p:nvSpPr>
+          <p:cNvPr id="55" name="文本框 54"/>
+          <p:cNvSpPr txBox="1"/>
+          <p:nvPr/>
+        </p:nvSpPr>
+        <p:spPr>
+          <a:xfrm>
+            <a:off x="4499296" y="3421737"/>
+            <a:ext cx="397866" cy="584775"/>
+          </a:xfrm>
+          <a:prstGeom prst="rect">
+            <a:avLst/>
+          </a:prstGeom>
+          <a:noFill/>
+        </p:spPr>
+        <p:txBody>
+          <a:bodyPr wrap="none" rtlCol="0">
+            <a:spAutoFit/>
+          </a:bodyPr>
+          <a:lstStyle/>
+          <a:p>
+            <a:r>
+              <a:rPr kumimoji="1" lang="en-US" altLang="zh-CN" sz="3200" smtClean="0">
+                <a:solidFill>
+                  <a:srgbClr val="FF0000"/>
+                </a:solidFill>
+              </a:rPr>
+              <a:t>X</a:t>
+            </a:r>
+            <a:endParaRPr kumimoji="1" lang="zh-CN" altLang="en-US" sz="3200" dirty="0">
+              <a:solidFill>
+                <a:srgbClr val="FF0000"/>
+              </a:solidFill>
+            </a:endParaRPr>
+          </a:p>
+        </p:txBody>
+      </p:sp>
     </p:spTree>
     <p:extLst>
       <p:ext uri="{BB962C8B-B14F-4D97-AF65-F5344CB8AC3E}">
-        <p14:creationId xmlns:p14="http://schemas.microsoft.com/office/powerpoint/2010/main" val="1926341745"/>
+        <p14:creationId xmlns:p14="http://schemas.microsoft.com/office/powerpoint/2010/main" val="1427078669"/>
       </p:ext>
     </p:extLst>
   </p:cSld>
@@ -5533,15 +6523,7 @@
                 <a:ea typeface="SimHei" charset="0"/>
                 <a:cs typeface="SimHei" charset="0"/>
               </a:rPr>
-              <a:t> </a:t>
-            </a:r>
-            <a:r>
-              <a:rPr kumimoji="1" lang="zh-CN" altLang="en-US" sz="3200" dirty="0" smtClean="0">
-                <a:latin typeface="SimHei" charset="0"/>
-                <a:ea typeface="SimHei" charset="0"/>
-                <a:cs typeface="SimHei" charset="0"/>
-              </a:rPr>
-              <a:t>容量规划</a:t>
+              <a:t> 容量规划</a:t>
             </a:r>
             <a:endParaRPr kumimoji="1" lang="zh-CN" altLang="en-US" sz="3200" dirty="0">
               <a:latin typeface="SimHei" charset="0"/>
@@ -8649,15 +9631,7 @@
                 <a:ea typeface="SimHei" charset="0"/>
                 <a:cs typeface="SimHei" charset="0"/>
               </a:rPr>
-              <a:t>：用于包装本地处理的</a:t>
-            </a:r>
-            <a:r>
-              <a:rPr kumimoji="1" lang="zh-CN" altLang="en-US" sz="1600" dirty="0" smtClean="0">
-                <a:latin typeface="SimHei" charset="0"/>
-                <a:ea typeface="SimHei" charset="0"/>
-                <a:cs typeface="SimHei" charset="0"/>
-              </a:rPr>
-              <a:t>服务</a:t>
+              <a:t>：用于包装本地处理的服务</a:t>
             </a:r>
             <a:r>
               <a:rPr kumimoji="1" lang="en-US" altLang="zh-CN" sz="1600" dirty="0" smtClean="0">
@@ -18145,21 +19119,7 @@
                 <a:latin typeface="+mn-ea"/>
                 <a:cs typeface="SimHei" charset="0"/>
               </a:rPr>
-              <a:t>等</a:t>
-            </a:r>
-            <a:r>
-              <a:rPr lang="zh-CN" altLang="en-US" sz="1800" dirty="0" smtClean="0">
-                <a:latin typeface="+mn-ea"/>
-                <a:cs typeface="SimHei" charset="0"/>
-              </a:rPr>
-              <a:t>控制</a:t>
-            </a:r>
-            <a:r>
-              <a:rPr lang="zh-CN" altLang="en-US" sz="1800" dirty="0" smtClean="0">
-                <a:latin typeface="+mn-ea"/>
-                <a:cs typeface="SimHei" charset="0"/>
-              </a:rPr>
-              <a:t>→</a:t>
+              <a:t>等控制→</a:t>
             </a:r>
             <a:r>
               <a:rPr lang="zh-CN" altLang="en-US" sz="1800" dirty="0">
@@ -18200,17 +19160,7 @@
                 <a:latin typeface="+mn-ea"/>
                 <a:cs typeface="SimHei" charset="0"/>
               </a:rPr>
-              <a:t>熔断拒绝→</a:t>
-            </a:r>
-            <a:r>
-              <a:rPr lang="zh-CN" altLang="en-US" sz="1800" dirty="0" smtClean="0">
-                <a:solidFill>
-                  <a:srgbClr val="FF0000"/>
-                </a:solidFill>
-                <a:latin typeface="+mn-ea"/>
-                <a:cs typeface="SimHei" charset="0"/>
-              </a:rPr>
-              <a:t>超时</a:t>
+              <a:t>熔断拒绝→超时</a:t>
             </a:r>
             <a:r>
               <a:rPr lang="zh-CN" altLang="en-US" sz="1800" dirty="0">
@@ -20019,11 +20969,6 @@
               </a:rPr>
               <a:t>优雅停机</a:t>
             </a:r>
-            <a:endParaRPr kumimoji="1" lang="zh-CN" altLang="en-US" sz="1400" dirty="0" smtClean="0">
-              <a:latin typeface="SimHei" charset="0"/>
-              <a:ea typeface="SimHei" charset="0"/>
-              <a:cs typeface="SimHei" charset="0"/>
-            </a:endParaRPr>
           </a:p>
         </p:txBody>
       </p:sp>
@@ -20217,11 +21162,6 @@
               </a:rPr>
               <a:t>黑白名单</a:t>
             </a:r>
-            <a:endParaRPr kumimoji="1" lang="zh-CN" altLang="en-US" sz="1400" dirty="0" smtClean="0">
-              <a:latin typeface="SimHei" charset="0"/>
-              <a:ea typeface="SimHei" charset="0"/>
-              <a:cs typeface="SimHei" charset="0"/>
-            </a:endParaRPr>
           </a:p>
         </p:txBody>
       </p:sp>
@@ -20333,11 +21273,6 @@
               </a:rPr>
               <a:t>管道缩放</a:t>
             </a:r>
-            <a:endParaRPr kumimoji="1" lang="zh-CN" altLang="en-US" sz="1400" dirty="0" smtClean="0">
-              <a:latin typeface="SimHei" charset="0"/>
-              <a:ea typeface="SimHei" charset="0"/>
-              <a:cs typeface="SimHei" charset="0"/>
-            </a:endParaRPr>
           </a:p>
         </p:txBody>
       </p:sp>
@@ -20453,11 +21388,6 @@
               </a:rPr>
               <a:t>流量控制</a:t>
             </a:r>
-            <a:endParaRPr kumimoji="1" lang="zh-CN" altLang="en-US" sz="1400" dirty="0" smtClean="0">
-              <a:latin typeface="SimHei" charset="0"/>
-              <a:ea typeface="SimHei" charset="0"/>
-              <a:cs typeface="SimHei" charset="0"/>
-            </a:endParaRPr>
           </a:p>
         </p:txBody>
       </p:sp>
@@ -20511,11 +21441,6 @@
               </a:rPr>
               <a:t>服务容错</a:t>
             </a:r>
-            <a:endParaRPr kumimoji="1" lang="zh-CN" altLang="en-US" sz="1400" dirty="0" smtClean="0">
-              <a:latin typeface="SimHei" charset="0"/>
-              <a:ea typeface="SimHei" charset="0"/>
-              <a:cs typeface="SimHei" charset="0"/>
-            </a:endParaRPr>
           </a:p>
         </p:txBody>
       </p:sp>
@@ -20567,21 +21492,8 @@
                 <a:ea typeface="SimHei" charset="0"/>
                 <a:cs typeface="SimHei" charset="0"/>
               </a:rPr>
-              <a:t>熔断</a:t>
-            </a:r>
-            <a:r>
-              <a:rPr kumimoji="1" lang="zh-CN" altLang="en-US" sz="1400" dirty="0" smtClean="0">
-                <a:latin typeface="SimHei" charset="0"/>
-                <a:ea typeface="SimHei" charset="0"/>
-                <a:cs typeface="SimHei" charset="0"/>
-              </a:rPr>
-              <a:t>拒绝</a:t>
-            </a:r>
-            <a:endParaRPr kumimoji="1" lang="zh-CN" altLang="en-US" sz="1400" dirty="0" smtClean="0">
-              <a:latin typeface="SimHei" charset="0"/>
-              <a:ea typeface="SimHei" charset="0"/>
-              <a:cs typeface="SimHei" charset="0"/>
-            </a:endParaRPr>
+              <a:t>熔断拒绝</a:t>
+            </a:r>
           </a:p>
         </p:txBody>
       </p:sp>
@@ -21465,11 +22377,6 @@
               </a:rPr>
               <a:t>资源鉴权</a:t>
             </a:r>
-            <a:endParaRPr kumimoji="1" lang="zh-CN" altLang="en-US" sz="1400" dirty="0" smtClean="0">
-              <a:latin typeface="SimHei" charset="0"/>
-              <a:ea typeface="SimHei" charset="0"/>
-              <a:cs typeface="SimHei" charset="0"/>
-            </a:endParaRPr>
           </a:p>
         </p:txBody>
       </p:sp>
@@ -21527,11 +22434,6 @@
               </a:rPr>
               <a:t>服务降级</a:t>
             </a:r>
-            <a:endParaRPr kumimoji="1" lang="zh-CN" altLang="en-US" sz="1400" dirty="0" smtClean="0">
-              <a:latin typeface="SimHei" charset="0"/>
-              <a:ea typeface="SimHei" charset="0"/>
-              <a:cs typeface="SimHei" charset="0"/>
-            </a:endParaRPr>
           </a:p>
         </p:txBody>
       </p:sp>
@@ -21777,11 +22679,6 @@
               </a:rPr>
               <a:t>舱壁隔离</a:t>
             </a:r>
-            <a:endParaRPr kumimoji="1" lang="zh-CN" altLang="en-US" sz="1400" dirty="0" smtClean="0">
-              <a:latin typeface="SimHei" charset="0"/>
-              <a:ea typeface="SimHei" charset="0"/>
-              <a:cs typeface="SimHei" charset="0"/>
-            </a:endParaRPr>
           </a:p>
         </p:txBody>
       </p:sp>
@@ -21876,11 +22773,6 @@
               </a:rPr>
               <a:t>慢性尝试</a:t>
             </a:r>
-            <a:endParaRPr kumimoji="1" lang="zh-CN" altLang="en-US" sz="1400" dirty="0" smtClean="0">
-              <a:latin typeface="SimHei" charset="0"/>
-              <a:ea typeface="SimHei" charset="0"/>
-              <a:cs typeface="SimHei" charset="0"/>
-            </a:endParaRPr>
           </a:p>
         </p:txBody>
       </p:sp>
@@ -22409,15 +23301,7 @@
                 <a:ea typeface="SimHei" charset="0"/>
                 <a:cs typeface="SimHei" charset="0"/>
               </a:rPr>
-              <a:t> </a:t>
-            </a:r>
-            <a:r>
-              <a:rPr kumimoji="1" lang="zh-CN" altLang="en-US" sz="3200" dirty="0" smtClean="0">
-                <a:latin typeface="SimHei" charset="0"/>
-                <a:ea typeface="SimHei" charset="0"/>
-                <a:cs typeface="SimHei" charset="0"/>
-              </a:rPr>
-              <a:t>优雅停机</a:t>
+              <a:t> 优雅停机</a:t>
             </a:r>
             <a:endParaRPr kumimoji="1" lang="zh-CN" altLang="en-US" sz="3200" dirty="0">
               <a:latin typeface="SimHei" charset="0"/>
@@ -22458,7 +23342,7 @@
         </p:nvSpPr>
         <p:spPr>
           <a:xfrm>
-            <a:off x="3108874" y="1938103"/>
+            <a:off x="4637649" y="2038119"/>
             <a:ext cx="1194300" cy="468000"/>
           </a:xfrm>
           <a:prstGeom prst="roundRect">
@@ -22498,8 +23382,24 @@
                 <a:ea typeface="SimHei" charset="0"/>
                 <a:cs typeface="SimHei" charset="0"/>
               </a:rPr>
-              <a:t>放通率开关</a:t>
-            </a:r>
+              <a:t>开机状</a:t>
+            </a:r>
+          </a:p>
+          <a:p>
+            <a:pPr algn="ctr"/>
+            <a:r>
+              <a:rPr kumimoji="1" lang="zh-CN" altLang="en-US" sz="1400" dirty="0" smtClean="0">
+                <a:latin typeface="SimHei" charset="0"/>
+                <a:ea typeface="SimHei" charset="0"/>
+                <a:cs typeface="SimHei" charset="0"/>
+              </a:rPr>
+              <a:t>态校验</a:t>
+            </a:r>
+            <a:endParaRPr kumimoji="1" lang="zh-CN" altLang="en-US" sz="1400" dirty="0" smtClean="0">
+              <a:latin typeface="SimHei" charset="0"/>
+              <a:ea typeface="SimHei" charset="0"/>
+              <a:cs typeface="SimHei" charset="0"/>
+            </a:endParaRPr>
           </a:p>
         </p:txBody>
       </p:sp>
@@ -22511,7 +23411,7 @@
         </p:nvSpPr>
         <p:spPr>
           <a:xfrm>
-            <a:off x="3108875" y="1032074"/>
+            <a:off x="4637650" y="1032074"/>
             <a:ext cx="1194300" cy="468000"/>
           </a:xfrm>
           <a:prstGeom prst="roundRect">
@@ -22578,170 +23478,7 @@
         </p:nvSpPr>
         <p:spPr>
           <a:xfrm>
-            <a:off x="1914575" y="3019041"/>
-            <a:ext cx="1194300" cy="468000"/>
-          </a:xfrm>
-          <a:prstGeom prst="roundRect">
-            <a:avLst/>
-          </a:prstGeom>
-          <a:solidFill>
-            <a:srgbClr val="00B050"/>
-          </a:solidFill>
-          <a:ln>
-            <a:solidFill>
-              <a:srgbClr val="00B050"/>
-            </a:solidFill>
-          </a:ln>
-        </p:spPr>
-        <p:style>
-          <a:lnRef idx="1">
-            <a:schemeClr val="accent1"/>
-          </a:lnRef>
-          <a:fillRef idx="3">
-            <a:schemeClr val="accent1"/>
-          </a:fillRef>
-          <a:effectRef idx="2">
-            <a:schemeClr val="accent1"/>
-          </a:effectRef>
-          <a:fontRef idx="minor">
-            <a:schemeClr val="lt1"/>
-          </a:fontRef>
-        </p:style>
-        <p:txBody>
-          <a:bodyPr rtlCol="0" anchor="ctr"/>
-          <a:lstStyle/>
-          <a:p>
-            <a:pPr algn="ctr"/>
-            <a:r>
-              <a:rPr kumimoji="1" lang="zh-CN" altLang="en-US" sz="1400" dirty="0" smtClean="0">
-                <a:latin typeface="SimHei" charset="0"/>
-                <a:ea typeface="SimHei" charset="0"/>
-                <a:cs typeface="SimHei" charset="0"/>
-              </a:rPr>
-              <a:t>业务逻辑</a:t>
-            </a:r>
-          </a:p>
-        </p:txBody>
-      </p:sp>
-      <p:sp>
-        <p:nvSpPr>
-          <p:cNvPr id="108" name="圆角矩形 107"/>
-          <p:cNvSpPr/>
-          <p:nvPr/>
-        </p:nvSpPr>
-        <p:spPr>
-          <a:xfrm>
-            <a:off x="5649875" y="1825022"/>
-            <a:ext cx="1194300" cy="702000"/>
-          </a:xfrm>
-          <a:prstGeom prst="roundRect">
-            <a:avLst/>
-          </a:prstGeom>
-          <a:solidFill>
-            <a:schemeClr val="bg1">
-              <a:lumMod val="50000"/>
-            </a:schemeClr>
-          </a:solidFill>
-          <a:ln>
-            <a:solidFill>
-              <a:schemeClr val="bg1">
-                <a:lumMod val="50000"/>
-              </a:schemeClr>
-            </a:solidFill>
-          </a:ln>
-        </p:spPr>
-        <p:style>
-          <a:lnRef idx="1">
-            <a:schemeClr val="accent1"/>
-          </a:lnRef>
-          <a:fillRef idx="3">
-            <a:schemeClr val="accent1"/>
-          </a:fillRef>
-          <a:effectRef idx="2">
-            <a:schemeClr val="accent1"/>
-          </a:effectRef>
-          <a:fontRef idx="minor">
-            <a:schemeClr val="lt1"/>
-          </a:fontRef>
-        </p:style>
-        <p:txBody>
-          <a:bodyPr rtlCol="0" anchor="ctr"/>
-          <a:lstStyle/>
-          <a:p>
-            <a:pPr algn="ctr"/>
-            <a:r>
-              <a:rPr kumimoji="1" lang="zh-CN" altLang="en-US" sz="1400" dirty="0" smtClean="0">
-                <a:latin typeface="SimHei" charset="0"/>
-                <a:ea typeface="SimHei" charset="0"/>
-                <a:cs typeface="SimHei" charset="0"/>
-              </a:rPr>
-              <a:t>监控、统计</a:t>
-            </a:r>
-          </a:p>
-          <a:p>
-            <a:pPr algn="ctr"/>
-            <a:r>
-              <a:rPr kumimoji="1" lang="zh-CN" altLang="en-US" sz="1400" dirty="0" smtClean="0">
-                <a:latin typeface="SimHei" charset="0"/>
-                <a:ea typeface="SimHei" charset="0"/>
-                <a:cs typeface="SimHei" charset="0"/>
-              </a:rPr>
-              <a:t>通知、告警</a:t>
-            </a:r>
-          </a:p>
-        </p:txBody>
-      </p:sp>
-      <p:cxnSp>
-        <p:nvCxnSpPr>
-          <p:cNvPr id="109" name="曲线连接符 108"/>
-          <p:cNvCxnSpPr>
-            <a:stCxn id="29" idx="3"/>
-            <a:endCxn id="108" idx="1"/>
-          </p:cNvCxnSpPr>
-          <p:nvPr/>
-        </p:nvCxnSpPr>
-        <p:spPr>
-          <a:xfrm>
-            <a:off x="4303174" y="2172103"/>
-            <a:ext cx="1346701" cy="3919"/>
-          </a:xfrm>
-          <a:prstGeom prst="curvedConnector3">
-            <a:avLst>
-              <a:gd name="adj1" fmla="val 50000"/>
-            </a:avLst>
-          </a:prstGeom>
-          <a:ln w="19050">
-            <a:solidFill>
-              <a:srgbClr val="0070C0"/>
-            </a:solidFill>
-            <a:prstDash val="lgDashDot"/>
-            <a:tailEnd type="arrow"/>
-          </a:ln>
-        </p:spPr>
-        <p:style>
-          <a:lnRef idx="2">
-            <a:schemeClr val="accent1"/>
-          </a:lnRef>
-          <a:fillRef idx="0">
-            <a:schemeClr val="accent1"/>
-          </a:fillRef>
-          <a:effectRef idx="1">
-            <a:schemeClr val="accent1"/>
-          </a:effectRef>
-          <a:fontRef idx="minor">
-            <a:schemeClr val="tx1"/>
-          </a:fontRef>
-        </p:style>
-      </p:cxnSp>
-      <p:sp>
-        <p:nvSpPr>
-          <p:cNvPr id="35" name="圆角矩形 34"/>
-          <p:cNvSpPr/>
-          <p:nvPr/>
-        </p:nvSpPr>
-        <p:spPr>
-          <a:xfrm>
-            <a:off x="4303175" y="3019041"/>
+            <a:off x="3029008" y="3504822"/>
             <a:ext cx="1194300" cy="468000"/>
           </a:xfrm>
           <a:prstGeom prst="roundRect">
@@ -22781,51 +23518,27 @@
                 <a:ea typeface="SimHei" charset="0"/>
                 <a:cs typeface="SimHei" charset="0"/>
               </a:rPr>
-              <a:t>放通率控制</a:t>
-            </a:r>
-          </a:p>
-        </p:txBody>
-      </p:sp>
-      <p:cxnSp>
-        <p:nvCxnSpPr>
-          <p:cNvPr id="38" name="曲线连接符 37"/>
-          <p:cNvCxnSpPr>
-            <a:stCxn id="35" idx="3"/>
-            <a:endCxn id="108" idx="2"/>
-          </p:cNvCxnSpPr>
-          <p:nvPr/>
-        </p:nvCxnSpPr>
-        <p:spPr>
-          <a:xfrm flipV="1">
-            <a:off x="5497475" y="2527022"/>
-            <a:ext cx="749550" cy="726019"/>
-          </a:xfrm>
-          <a:prstGeom prst="curvedConnector2">
-            <a:avLst/>
-          </a:prstGeom>
-          <a:ln w="19050">
-            <a:solidFill>
-              <a:srgbClr val="0070C0"/>
-            </a:solidFill>
-            <a:prstDash val="lgDashDot"/>
-            <a:tailEnd type="arrow"/>
-          </a:ln>
-        </p:spPr>
-        <p:style>
-          <a:lnRef idx="2">
-            <a:schemeClr val="accent1"/>
-          </a:lnRef>
-          <a:fillRef idx="0">
-            <a:schemeClr val="accent1"/>
-          </a:fillRef>
-          <a:effectRef idx="1">
-            <a:schemeClr val="accent1"/>
-          </a:effectRef>
-          <a:fontRef idx="minor">
-            <a:schemeClr val="tx1"/>
-          </a:fontRef>
-        </p:style>
-      </p:cxnSp>
+              <a:t>开机开</a:t>
+            </a:r>
+          </a:p>
+          <a:p>
+            <a:pPr algn="ctr"/>
+            <a:r>
+              <a:rPr kumimoji="1" lang="zh-CN" altLang="en-US" sz="1400" dirty="0" smtClean="0">
+                <a:latin typeface="SimHei" charset="0"/>
+                <a:ea typeface="SimHei" charset="0"/>
+                <a:cs typeface="SimHei" charset="0"/>
+              </a:rPr>
+              <a:t>关校验</a:t>
+            </a:r>
+            <a:endParaRPr kumimoji="1" lang="zh-CN" altLang="en-US" sz="1400" dirty="0" smtClean="0">
+              <a:latin typeface="SimHei" charset="0"/>
+              <a:ea typeface="SimHei" charset="0"/>
+              <a:cs typeface="SimHei" charset="0"/>
+            </a:endParaRPr>
+          </a:p>
+        </p:txBody>
+      </p:sp>
       <p:cxnSp>
         <p:nvCxnSpPr>
           <p:cNvPr id="45" name="直线箭头连接符 44"/>
@@ -22837,13 +23550,13 @@
         </p:nvCxnSpPr>
         <p:spPr>
           <a:xfrm flipH="1">
-            <a:off x="3706024" y="1500074"/>
-            <a:ext cx="1" cy="438029"/>
+            <a:off x="5234799" y="1500074"/>
+            <a:ext cx="1" cy="538045"/>
           </a:xfrm>
           <a:prstGeom prst="straightConnector1">
             <a:avLst/>
           </a:prstGeom>
-          <a:ln w="38100">
+          <a:ln w="25400">
             <a:solidFill>
               <a:srgbClr val="0070C0"/>
             </a:solidFill>
@@ -22876,15 +23589,15 @@
         </p:nvCxnSpPr>
         <p:spPr>
           <a:xfrm rot="5400000">
-            <a:off x="2802406" y="2115423"/>
-            <a:ext cx="612938" cy="1194299"/>
+            <a:off x="3931128" y="2201150"/>
+            <a:ext cx="998703" cy="1608641"/>
           </a:xfrm>
           <a:prstGeom prst="curvedConnector3">
             <a:avLst>
               <a:gd name="adj1" fmla="val 50000"/>
             </a:avLst>
           </a:prstGeom>
-          <a:ln w="19050">
+          <a:ln w="25400">
             <a:solidFill>
               <a:srgbClr val="0070C0"/>
             </a:solidFill>
@@ -22907,48 +23620,6 @@
           </a:fontRef>
         </p:style>
       </p:cxnSp>
-      <p:cxnSp>
-        <p:nvCxnSpPr>
-          <p:cNvPr id="100" name="曲线连接符 99"/>
-          <p:cNvCxnSpPr>
-            <a:stCxn id="35" idx="1"/>
-            <a:endCxn id="28" idx="3"/>
-          </p:cNvCxnSpPr>
-          <p:nvPr/>
-        </p:nvCxnSpPr>
-        <p:spPr>
-          <a:xfrm rot="10800000">
-            <a:off x="3108875" y="3253041"/>
-            <a:ext cx="1194300" cy="12700"/>
-          </a:xfrm>
-          <a:prstGeom prst="curvedConnector3">
-            <a:avLst>
-              <a:gd name="adj1" fmla="val 50000"/>
-            </a:avLst>
-          </a:prstGeom>
-          <a:ln w="19050">
-            <a:solidFill>
-              <a:srgbClr val="0070C0"/>
-            </a:solidFill>
-            <a:prstDash val="solid"/>
-            <a:tailEnd type="arrow"/>
-          </a:ln>
-        </p:spPr>
-        <p:style>
-          <a:lnRef idx="2">
-            <a:schemeClr val="accent1"/>
-          </a:lnRef>
-          <a:fillRef idx="0">
-            <a:schemeClr val="accent1"/>
-          </a:fillRef>
-          <a:effectRef idx="1">
-            <a:schemeClr val="accent1"/>
-          </a:effectRef>
-          <a:fontRef idx="minor">
-            <a:schemeClr val="tx1"/>
-          </a:fontRef>
-        </p:style>
-      </p:cxnSp>
       <p:sp>
         <p:nvSpPr>
           <p:cNvPr id="106" name="圆角矩形 105"/>
@@ -22957,7 +23628,7 @@
         </p:nvSpPr>
         <p:spPr>
           <a:xfrm>
-            <a:off x="3108874" y="4161913"/>
+            <a:off x="6322232" y="3511180"/>
             <a:ext cx="1194300" cy="468000"/>
           </a:xfrm>
           <a:prstGeom prst="roundRect">
@@ -23020,66 +23691,24 @@
         <p:nvCxnSpPr>
           <p:cNvPr id="107" name="曲线连接符 106"/>
           <p:cNvCxnSpPr>
-            <a:stCxn id="35" idx="2"/>
+            <a:stCxn id="29" idx="2"/>
             <a:endCxn id="106" idx="0"/>
           </p:cNvCxnSpPr>
           <p:nvPr/>
         </p:nvCxnSpPr>
         <p:spPr>
-          <a:xfrm rot="5400000">
-            <a:off x="3965739" y="3227327"/>
-            <a:ext cx="674872" cy="1194301"/>
+          <a:xfrm rot="16200000" flipH="1">
+            <a:off x="5574560" y="2166357"/>
+            <a:ext cx="1005061" cy="1684583"/>
           </a:xfrm>
           <a:prstGeom prst="curvedConnector3">
             <a:avLst>
               <a:gd name="adj1" fmla="val 50000"/>
             </a:avLst>
           </a:prstGeom>
-          <a:ln w="19050">
+          <a:ln w="25400">
             <a:solidFill>
               <a:srgbClr val="C00000"/>
-            </a:solidFill>
-            <a:prstDash val="solid"/>
-            <a:tailEnd type="arrow"/>
-          </a:ln>
-        </p:spPr>
-        <p:style>
-          <a:lnRef idx="2">
-            <a:schemeClr val="accent1"/>
-          </a:lnRef>
-          <a:fillRef idx="0">
-            <a:schemeClr val="accent1"/>
-          </a:fillRef>
-          <a:effectRef idx="1">
-            <a:schemeClr val="accent1"/>
-          </a:effectRef>
-          <a:fontRef idx="minor">
-            <a:schemeClr val="tx1"/>
-          </a:fontRef>
-        </p:style>
-      </p:cxnSp>
-      <p:cxnSp>
-        <p:nvCxnSpPr>
-          <p:cNvPr id="134" name="曲线连接符 133"/>
-          <p:cNvCxnSpPr>
-            <a:stCxn id="29" idx="2"/>
-            <a:endCxn id="35" idx="0"/>
-          </p:cNvCxnSpPr>
-          <p:nvPr/>
-        </p:nvCxnSpPr>
-        <p:spPr>
-          <a:xfrm rot="16200000" flipH="1">
-            <a:off x="3996705" y="2115421"/>
-            <a:ext cx="612938" cy="1194301"/>
-          </a:xfrm>
-          <a:prstGeom prst="curvedConnector3">
-            <a:avLst>
-              <a:gd name="adj1" fmla="val 50000"/>
-            </a:avLst>
-          </a:prstGeom>
-          <a:ln w="19050">
-            <a:solidFill>
-              <a:srgbClr val="0070C0"/>
             </a:solidFill>
             <a:prstDash val="solid"/>
             <a:tailEnd type="arrow"/>
@@ -23105,23 +23734,23 @@
           <p:cNvPr id="140" name="曲线连接符 139"/>
           <p:cNvCxnSpPr>
             <a:stCxn id="28" idx="2"/>
-            <a:endCxn id="106" idx="0"/>
+            <a:endCxn id="39" idx="0"/>
           </p:cNvCxnSpPr>
           <p:nvPr/>
         </p:nvCxnSpPr>
         <p:spPr>
           <a:xfrm rot="16200000" flipH="1">
-            <a:off x="2771438" y="3227327"/>
-            <a:ext cx="674872" cy="1194299"/>
+            <a:off x="4001176" y="3597803"/>
+            <a:ext cx="858604" cy="1608641"/>
           </a:xfrm>
           <a:prstGeom prst="curvedConnector3">
             <a:avLst>
               <a:gd name="adj1" fmla="val 50000"/>
             </a:avLst>
           </a:prstGeom>
-          <a:ln w="19050">
+          <a:ln w="25400">
             <a:solidFill>
-              <a:srgbClr val="00B050"/>
+              <a:srgbClr val="0070C0"/>
             </a:solidFill>
             <a:prstDash val="solid"/>
             <a:tailEnd type="arrow"/>
@@ -23150,8 +23779,8 @@
         </p:nvSpPr>
         <p:spPr>
           <a:xfrm>
-            <a:off x="2895600" y="2425700"/>
-            <a:ext cx="492443" cy="276999"/>
+            <a:off x="4324359" y="2525716"/>
+            <a:ext cx="492443" cy="461665"/>
           </a:xfrm>
           <a:prstGeom prst="rect">
             <a:avLst/>
@@ -23170,7 +23799,17 @@
                 <a:ea typeface="SimHei" charset="0"/>
                 <a:cs typeface="SimHei" charset="0"/>
               </a:rPr>
-              <a:t>关闭</a:t>
+              <a:t>在线</a:t>
+            </a:r>
+          </a:p>
+          <a:p>
+            <a:r>
+              <a:rPr kumimoji="1" lang="zh-CN" altLang="en-US" sz="1200" b="1" dirty="0" smtClean="0">
+                <a:latin typeface="SimHei" charset="0"/>
+                <a:ea typeface="SimHei" charset="0"/>
+                <a:cs typeface="SimHei" charset="0"/>
+              </a:rPr>
+              <a:t>放通</a:t>
             </a:r>
             <a:endParaRPr kumimoji="1" lang="zh-CN" altLang="en-US" sz="1200" b="1" dirty="0">
               <a:latin typeface="SimHei" charset="0"/>
@@ -23182,90 +23821,14 @@
       </p:sp>
       <p:sp>
         <p:nvSpPr>
-          <p:cNvPr id="170" name="文本框 169"/>
-          <p:cNvSpPr txBox="1"/>
-          <p:nvPr/>
-        </p:nvSpPr>
-        <p:spPr>
-          <a:xfrm>
-            <a:off x="3947073" y="2425700"/>
-            <a:ext cx="492443" cy="276999"/>
-          </a:xfrm>
-          <a:prstGeom prst="rect">
-            <a:avLst/>
-          </a:prstGeom>
-          <a:noFill/>
-        </p:spPr>
-        <p:txBody>
-          <a:bodyPr wrap="none" rtlCol="0">
-            <a:spAutoFit/>
-          </a:bodyPr>
-          <a:lstStyle/>
-          <a:p>
-            <a:r>
-              <a:rPr kumimoji="1" lang="zh-CN" altLang="en-US" sz="1200" b="1" dirty="0" smtClean="0">
-                <a:latin typeface="SimHei" charset="0"/>
-                <a:ea typeface="SimHei" charset="0"/>
-                <a:cs typeface="SimHei" charset="0"/>
-              </a:rPr>
-              <a:t>开启</a:t>
-            </a:r>
-            <a:endParaRPr kumimoji="1" lang="zh-CN" altLang="en-US" sz="1200" b="1" dirty="0">
-              <a:latin typeface="SimHei" charset="0"/>
-              <a:ea typeface="SimHei" charset="0"/>
-              <a:cs typeface="SimHei" charset="0"/>
-            </a:endParaRPr>
-          </a:p>
-        </p:txBody>
-      </p:sp>
-      <p:sp>
-        <p:nvSpPr>
-          <p:cNvPr id="171" name="文本框 170"/>
-          <p:cNvSpPr txBox="1"/>
-          <p:nvPr/>
-        </p:nvSpPr>
-        <p:spPr>
-          <a:xfrm>
-            <a:off x="3435624" y="2942475"/>
-            <a:ext cx="800219" cy="276999"/>
-          </a:xfrm>
-          <a:prstGeom prst="rect">
-            <a:avLst/>
-          </a:prstGeom>
-          <a:noFill/>
-        </p:spPr>
-        <p:txBody>
-          <a:bodyPr wrap="none" rtlCol="0">
-            <a:spAutoFit/>
-          </a:bodyPr>
-          <a:lstStyle/>
-          <a:p>
-            <a:r>
-              <a:rPr kumimoji="1" lang="zh-CN" altLang="en-US" sz="1200" b="1" dirty="0" smtClean="0">
-                <a:latin typeface="SimHei" charset="0"/>
-                <a:ea typeface="SimHei" charset="0"/>
-                <a:cs typeface="SimHei" charset="0"/>
-              </a:rPr>
-              <a:t>放通请求</a:t>
-            </a:r>
-            <a:endParaRPr kumimoji="1" lang="zh-CN" altLang="en-US" sz="1200" b="1" dirty="0">
-              <a:latin typeface="SimHei" charset="0"/>
-              <a:ea typeface="SimHei" charset="0"/>
-              <a:cs typeface="SimHei" charset="0"/>
-            </a:endParaRPr>
-          </a:p>
-        </p:txBody>
-      </p:sp>
-      <p:sp>
-        <p:nvSpPr>
           <p:cNvPr id="172" name="文本框 171"/>
           <p:cNvSpPr txBox="1"/>
           <p:nvPr/>
         </p:nvSpPr>
         <p:spPr>
           <a:xfrm>
-            <a:off x="4887624" y="3515347"/>
-            <a:ext cx="800219" cy="276999"/>
+            <a:off x="5719054" y="2499540"/>
+            <a:ext cx="800219" cy="461665"/>
           </a:xfrm>
           <a:prstGeom prst="rect">
             <a:avLst/>
@@ -23287,7 +23850,31 @@
                 <a:ea typeface="SimHei" charset="0"/>
                 <a:cs typeface="SimHei" charset="0"/>
               </a:rPr>
-              <a:t>拒绝请求</a:t>
+              <a:t>已离线</a:t>
+            </a:r>
+          </a:p>
+          <a:p>
+            <a:r>
+              <a:rPr kumimoji="1" lang="zh-CN" altLang="en-US" sz="1200" b="1" dirty="0" smtClean="0">
+                <a:solidFill>
+                  <a:srgbClr val="C00000"/>
+                </a:solidFill>
+                <a:latin typeface="SimHei" charset="0"/>
+                <a:ea typeface="SimHei" charset="0"/>
+                <a:cs typeface="SimHei" charset="0"/>
+              </a:rPr>
+              <a:t>拒绝</a:t>
+            </a:r>
+            <a:r>
+              <a:rPr kumimoji="1" lang="zh-CN" altLang="en-US" sz="1200" b="1" dirty="0" smtClean="0">
+                <a:solidFill>
+                  <a:srgbClr val="C00000"/>
+                </a:solidFill>
+                <a:latin typeface="SimHei" charset="0"/>
+                <a:ea typeface="SimHei" charset="0"/>
+                <a:cs typeface="SimHei" charset="0"/>
+              </a:rPr>
+              <a:t>请求</a:t>
             </a:r>
             <a:endParaRPr kumimoji="1" lang="zh-CN" altLang="en-US" sz="1200" b="1" dirty="0">
               <a:solidFill>
@@ -23308,52 +23895,8 @@
         </p:nvSpPr>
         <p:spPr>
           <a:xfrm>
-            <a:off x="2557502" y="3865065"/>
-            <a:ext cx="800219" cy="276999"/>
-          </a:xfrm>
-          <a:prstGeom prst="rect">
-            <a:avLst/>
-          </a:prstGeom>
-          <a:noFill/>
-        </p:spPr>
-        <p:txBody>
-          <a:bodyPr wrap="none" rtlCol="0">
-            <a:spAutoFit/>
-          </a:bodyPr>
-          <a:lstStyle/>
-          <a:p>
-            <a:r>
-              <a:rPr kumimoji="1" lang="zh-CN" altLang="en-US" sz="1200" b="1" smtClean="0">
-                <a:solidFill>
-                  <a:srgbClr val="00B050"/>
-                </a:solidFill>
-                <a:latin typeface="SimHei" charset="0"/>
-                <a:ea typeface="SimHei" charset="0"/>
-                <a:cs typeface="SimHei" charset="0"/>
-              </a:rPr>
-              <a:t>业务响应</a:t>
-            </a:r>
-            <a:endParaRPr kumimoji="1" lang="zh-CN" altLang="en-US" sz="1200" b="1" dirty="0">
-              <a:solidFill>
-                <a:srgbClr val="00B050"/>
-              </a:solidFill>
-              <a:latin typeface="SimHei" charset="0"/>
-              <a:ea typeface="SimHei" charset="0"/>
-              <a:cs typeface="SimHei" charset="0"/>
-            </a:endParaRPr>
-          </a:p>
-        </p:txBody>
-      </p:sp>
-      <p:sp>
-        <p:nvSpPr>
-          <p:cNvPr id="174" name="文本框 173"/>
-          <p:cNvSpPr txBox="1"/>
-          <p:nvPr/>
-        </p:nvSpPr>
-        <p:spPr>
-          <a:xfrm>
-            <a:off x="4034981" y="3872213"/>
-            <a:ext cx="800219" cy="276999"/>
+            <a:off x="4918835" y="3236378"/>
+            <a:ext cx="800219" cy="461665"/>
           </a:xfrm>
           <a:prstGeom prst="rect">
             <a:avLst/>
@@ -23375,7 +23918,20 @@
                 <a:ea typeface="SimHei" charset="0"/>
                 <a:cs typeface="SimHei" charset="0"/>
               </a:rPr>
-              <a:t>拒绝响应</a:t>
+              <a:t>等待关机</a:t>
+            </a:r>
+          </a:p>
+          <a:p>
+            <a:r>
+              <a:rPr kumimoji="1" lang="zh-CN" altLang="en-US" sz="1200" b="1" dirty="0" smtClean="0">
+                <a:solidFill>
+                  <a:srgbClr val="C00000"/>
+                </a:solidFill>
+                <a:latin typeface="SimHei" charset="0"/>
+                <a:ea typeface="SimHei" charset="0"/>
+                <a:cs typeface="SimHei" charset="0"/>
+              </a:rPr>
+              <a:t>拒绝请求</a:t>
             </a:r>
             <a:endParaRPr kumimoji="1" lang="zh-CN" altLang="en-US" sz="1200" b="1" dirty="0">
               <a:solidFill>
@@ -23390,14 +23946,218 @@
       </p:sp>
       <p:sp>
         <p:nvSpPr>
-          <p:cNvPr id="175" name="文本框 174"/>
+          <p:cNvPr id="26" name="圆角矩形 25"/>
+          <p:cNvSpPr/>
+          <p:nvPr/>
+        </p:nvSpPr>
+        <p:spPr>
+          <a:xfrm>
+            <a:off x="2098602" y="2038527"/>
+            <a:ext cx="1194300" cy="468000"/>
+          </a:xfrm>
+          <a:prstGeom prst="roundRect">
+            <a:avLst/>
+          </a:prstGeom>
+          <a:solidFill>
+            <a:schemeClr val="bg1">
+              <a:lumMod val="50000"/>
+            </a:schemeClr>
+          </a:solidFill>
+          <a:ln>
+            <a:solidFill>
+              <a:schemeClr val="bg1">
+                <a:lumMod val="50000"/>
+              </a:schemeClr>
+            </a:solidFill>
+          </a:ln>
+        </p:spPr>
+        <p:style>
+          <a:lnRef idx="1">
+            <a:schemeClr val="accent1"/>
+          </a:lnRef>
+          <a:fillRef idx="3">
+            <a:schemeClr val="accent1"/>
+          </a:fillRef>
+          <a:effectRef idx="2">
+            <a:schemeClr val="accent1"/>
+          </a:effectRef>
+          <a:fontRef idx="minor">
+            <a:schemeClr val="lt1"/>
+          </a:fontRef>
+        </p:style>
+        <p:txBody>
+          <a:bodyPr rtlCol="0" anchor="ctr"/>
+          <a:lstStyle/>
+          <a:p>
+            <a:pPr algn="ctr"/>
+            <a:r>
+              <a:rPr kumimoji="1" lang="zh-CN" altLang="en-US" sz="1400" dirty="0" smtClean="0">
+                <a:latin typeface="SimHei" charset="0"/>
+                <a:ea typeface="SimHei" charset="0"/>
+                <a:cs typeface="SimHei" charset="0"/>
+              </a:rPr>
+              <a:t>配置中心</a:t>
+            </a:r>
+            <a:endParaRPr kumimoji="1" lang="zh-CN" altLang="en-US" sz="1400" dirty="0" smtClean="0">
+              <a:latin typeface="SimHei" charset="0"/>
+              <a:ea typeface="SimHei" charset="0"/>
+              <a:cs typeface="SimHei" charset="0"/>
+            </a:endParaRPr>
+          </a:p>
+        </p:txBody>
+      </p:sp>
+      <p:sp>
+        <p:nvSpPr>
+          <p:cNvPr id="39" name="圆角矩形 38"/>
+          <p:cNvSpPr/>
+          <p:nvPr/>
+        </p:nvSpPr>
+        <p:spPr>
+          <a:xfrm>
+            <a:off x="4637649" y="4831426"/>
+            <a:ext cx="1194300" cy="468000"/>
+          </a:xfrm>
+          <a:prstGeom prst="roundRect">
+            <a:avLst/>
+          </a:prstGeom>
+          <a:solidFill>
+            <a:srgbClr val="00B050"/>
+          </a:solidFill>
+          <a:ln>
+            <a:solidFill>
+              <a:srgbClr val="00B050"/>
+            </a:solidFill>
+          </a:ln>
+        </p:spPr>
+        <p:style>
+          <a:lnRef idx="1">
+            <a:schemeClr val="accent1"/>
+          </a:lnRef>
+          <a:fillRef idx="3">
+            <a:schemeClr val="accent1"/>
+          </a:fillRef>
+          <a:effectRef idx="2">
+            <a:schemeClr val="accent1"/>
+          </a:effectRef>
+          <a:fontRef idx="minor">
+            <a:schemeClr val="lt1"/>
+          </a:fontRef>
+        </p:style>
+        <p:txBody>
+          <a:bodyPr rtlCol="0" anchor="ctr"/>
+          <a:lstStyle/>
+          <a:p>
+            <a:pPr algn="ctr"/>
+            <a:r>
+              <a:rPr kumimoji="1" lang="zh-CN" altLang="en-US" sz="1400" dirty="0" smtClean="0">
+                <a:latin typeface="SimHei" charset="0"/>
+                <a:ea typeface="SimHei" charset="0"/>
+                <a:cs typeface="SimHei" charset="0"/>
+              </a:rPr>
+              <a:t>业务</a:t>
+            </a:r>
+            <a:endParaRPr kumimoji="1" lang="zh-CN" altLang="en-US" sz="1400" dirty="0" smtClean="0">
+              <a:latin typeface="SimHei" charset="0"/>
+              <a:ea typeface="SimHei" charset="0"/>
+              <a:cs typeface="SimHei" charset="0"/>
+            </a:endParaRPr>
+          </a:p>
+        </p:txBody>
+      </p:sp>
+      <p:cxnSp>
+        <p:nvCxnSpPr>
+          <p:cNvPr id="40" name="曲线连接符 39"/>
+          <p:cNvCxnSpPr>
+            <a:stCxn id="28" idx="3"/>
+            <a:endCxn id="106" idx="1"/>
+          </p:cNvCxnSpPr>
+          <p:nvPr/>
+        </p:nvCxnSpPr>
+        <p:spPr>
+          <a:xfrm>
+            <a:off x="4223308" y="3738822"/>
+            <a:ext cx="2098924" cy="6358"/>
+          </a:xfrm>
+          <a:prstGeom prst="curvedConnector3">
+            <a:avLst>
+              <a:gd name="adj1" fmla="val 50000"/>
+            </a:avLst>
+          </a:prstGeom>
+          <a:ln w="25400">
+            <a:solidFill>
+              <a:srgbClr val="C00000"/>
+            </a:solidFill>
+            <a:prstDash val="solid"/>
+            <a:tailEnd type="arrow"/>
+          </a:ln>
+        </p:spPr>
+        <p:style>
+          <a:lnRef idx="2">
+            <a:schemeClr val="accent1"/>
+          </a:lnRef>
+          <a:fillRef idx="0">
+            <a:schemeClr val="accent1"/>
+          </a:fillRef>
+          <a:effectRef idx="1">
+            <a:schemeClr val="accent1"/>
+          </a:effectRef>
+          <a:fontRef idx="minor">
+            <a:schemeClr val="tx1"/>
+          </a:fontRef>
+        </p:style>
+      </p:cxnSp>
+      <p:cxnSp>
+        <p:nvCxnSpPr>
+          <p:cNvPr id="43" name="曲线连接符 42"/>
+          <p:cNvCxnSpPr>
+            <a:stCxn id="39" idx="0"/>
+            <a:endCxn id="106" idx="2"/>
+          </p:cNvCxnSpPr>
+          <p:nvPr/>
+        </p:nvCxnSpPr>
+        <p:spPr>
+          <a:xfrm rot="5400000" flipH="1" flipV="1">
+            <a:off x="5650967" y="3563012"/>
+            <a:ext cx="852246" cy="1684583"/>
+          </a:xfrm>
+          <a:prstGeom prst="curvedConnector3">
+            <a:avLst>
+              <a:gd name="adj1" fmla="val 50000"/>
+            </a:avLst>
+          </a:prstGeom>
+          <a:ln w="25400">
+            <a:solidFill>
+              <a:srgbClr val="00B050"/>
+            </a:solidFill>
+            <a:prstDash val="solid"/>
+            <a:tailEnd type="arrow"/>
+          </a:ln>
+        </p:spPr>
+        <p:style>
+          <a:lnRef idx="2">
+            <a:schemeClr val="accent1"/>
+          </a:lnRef>
+          <a:fillRef idx="0">
+            <a:schemeClr val="accent1"/>
+          </a:fillRef>
+          <a:effectRef idx="1">
+            <a:schemeClr val="accent1"/>
+          </a:effectRef>
+          <a:fontRef idx="minor">
+            <a:schemeClr val="tx1"/>
+          </a:fontRef>
+        </p:style>
+      </p:cxnSp>
+      <p:sp>
+        <p:nvSpPr>
+          <p:cNvPr id="49" name="文本框 48"/>
           <p:cNvSpPr txBox="1"/>
           <p:nvPr/>
         </p:nvSpPr>
         <p:spPr>
           <a:xfrm>
-            <a:off x="4707693" y="1867680"/>
-            <a:ext cx="492443" cy="276999"/>
+            <a:off x="3084913" y="4138929"/>
+            <a:ext cx="644843" cy="276999"/>
           </a:xfrm>
           <a:prstGeom prst="rect">
             <a:avLst/>
@@ -23405,18 +24165,18 @@
           <a:noFill/>
         </p:spPr>
         <p:txBody>
-          <a:bodyPr wrap="none" rtlCol="0">
+          <a:bodyPr wrap="square" rtlCol="0">
             <a:spAutoFit/>
           </a:bodyPr>
           <a:lstStyle/>
           <a:p>
             <a:r>
-              <a:rPr kumimoji="1" lang="zh-CN" altLang="en-US" sz="1200" b="1" smtClean="0">
-                <a:latin typeface="SimHei" charset="0"/>
-                <a:ea typeface="SimHei" charset="0"/>
-                <a:cs typeface="SimHei" charset="0"/>
-              </a:rPr>
-              <a:t>收集</a:t>
+              <a:rPr kumimoji="1" lang="zh-CN" altLang="en-US" sz="1200" b="1" dirty="0" smtClean="0">
+                <a:latin typeface="SimHei" charset="0"/>
+                <a:ea typeface="SimHei" charset="0"/>
+                <a:cs typeface="SimHei" charset="0"/>
+              </a:rPr>
+              <a:t>已开机</a:t>
             </a:r>
             <a:endParaRPr kumimoji="1" lang="zh-CN" altLang="en-US" sz="1200" b="1" dirty="0">
               <a:latin typeface="SimHei" charset="0"/>
@@ -23426,16 +24186,104 @@
           </a:p>
         </p:txBody>
       </p:sp>
-      <p:sp>
-        <p:nvSpPr>
-          <p:cNvPr id="176" name="文本框 175"/>
+      <p:cxnSp>
+        <p:nvCxnSpPr>
+          <p:cNvPr id="50" name="曲线连接符 49"/>
+          <p:cNvCxnSpPr>
+            <a:stCxn id="26" idx="2"/>
+            <a:endCxn id="28" idx="0"/>
+          </p:cNvCxnSpPr>
+          <p:nvPr/>
+        </p:nvCxnSpPr>
+        <p:spPr>
+          <a:xfrm rot="16200000" flipH="1">
+            <a:off x="2661808" y="2540471"/>
+            <a:ext cx="998295" cy="930406"/>
+          </a:xfrm>
+          <a:prstGeom prst="curvedConnector3">
+            <a:avLst>
+              <a:gd name="adj1" fmla="val 50000"/>
+            </a:avLst>
+          </a:prstGeom>
+          <a:ln w="25400">
+            <a:solidFill>
+              <a:schemeClr val="bg1">
+                <a:lumMod val="50000"/>
+              </a:schemeClr>
+            </a:solidFill>
+            <a:prstDash val="dash"/>
+            <a:tailEnd type="arrow"/>
+          </a:ln>
+        </p:spPr>
+        <p:style>
+          <a:lnRef idx="2">
+            <a:schemeClr val="accent1"/>
+          </a:lnRef>
+          <a:fillRef idx="0">
+            <a:schemeClr val="accent1"/>
+          </a:fillRef>
+          <a:effectRef idx="1">
+            <a:schemeClr val="accent1"/>
+          </a:effectRef>
+          <a:fontRef idx="minor">
+            <a:schemeClr val="tx1"/>
+          </a:fontRef>
+        </p:style>
+      </p:cxnSp>
+      <p:cxnSp>
+        <p:nvCxnSpPr>
+          <p:cNvPr id="55" name="曲线连接符 54"/>
+          <p:cNvCxnSpPr>
+            <a:stCxn id="26" idx="3"/>
+            <a:endCxn id="29" idx="1"/>
+          </p:cNvCxnSpPr>
+          <p:nvPr/>
+        </p:nvCxnSpPr>
+        <p:spPr>
+          <a:xfrm flipV="1">
+            <a:off x="3292902" y="2272119"/>
+            <a:ext cx="1344747" cy="408"/>
+          </a:xfrm>
+          <a:prstGeom prst="curvedConnector3">
+            <a:avLst>
+              <a:gd name="adj1" fmla="val 50000"/>
+            </a:avLst>
+          </a:prstGeom>
+          <a:ln w="25400">
+            <a:solidFill>
+              <a:schemeClr val="bg1">
+                <a:lumMod val="50000"/>
+              </a:schemeClr>
+            </a:solidFill>
+            <a:prstDash val="dash"/>
+            <a:tailEnd type="arrow"/>
+          </a:ln>
+        </p:spPr>
+        <p:style>
+          <a:lnRef idx="2">
+            <a:schemeClr val="accent1"/>
+          </a:lnRef>
+          <a:fillRef idx="0">
+            <a:schemeClr val="accent1"/>
+          </a:fillRef>
+          <a:effectRef idx="1">
+            <a:schemeClr val="accent1"/>
+          </a:effectRef>
+          <a:fontRef idx="minor">
+            <a:schemeClr val="tx1"/>
+          </a:fontRef>
+        </p:style>
+      </p:cxnSp>
+      <p:sp>
+        <p:nvSpPr>
+          <p:cNvPr id="47" name="文本框 46"/>
           <p:cNvSpPr txBox="1"/>
           <p:nvPr/>
         </p:nvSpPr>
         <p:spPr>
           <a:xfrm>
-            <a:off x="6278261" y="2586771"/>
-            <a:ext cx="492443" cy="276999"/>
+            <a:off x="3543300" y="1900233"/>
+            <a:ext cx="543739" cy="307777"/>
           </a:xfrm>
           <a:prstGeom prst="rect">
             <a:avLst/>
@@ -23449,14 +24297,72 @@
           <a:lstStyle/>
           <a:p>
             <a:r>
-              <a:rPr kumimoji="1" lang="zh-CN" altLang="en-US" sz="1200" b="1" smtClean="0">
-                <a:latin typeface="SimHei" charset="0"/>
-                <a:ea typeface="SimHei" charset="0"/>
-                <a:cs typeface="SimHei" charset="0"/>
-              </a:rPr>
-              <a:t>收集</a:t>
-            </a:r>
-            <a:endParaRPr kumimoji="1" lang="zh-CN" altLang="en-US" sz="1200" b="1" dirty="0">
+              <a:rPr kumimoji="1" lang="zh-CN" altLang="en-US" sz="1400" b="1" dirty="0" smtClean="0">
+                <a:solidFill>
+                  <a:schemeClr val="bg1">
+                    <a:lumMod val="50000"/>
+                  </a:schemeClr>
+                </a:solidFill>
+                <a:latin typeface="SimHei" charset="0"/>
+                <a:ea typeface="SimHei" charset="0"/>
+                <a:cs typeface="SimHei" charset="0"/>
+              </a:rPr>
+              <a:t>订阅</a:t>
+            </a:r>
+            <a:endParaRPr kumimoji="1" lang="zh-CN" altLang="en-US" sz="1400" b="1" dirty="0">
+              <a:solidFill>
+                <a:schemeClr val="bg1">
+                  <a:lumMod val="50000"/>
+                </a:schemeClr>
+              </a:solidFill>
+              <a:latin typeface="SimHei" charset="0"/>
+              <a:ea typeface="SimHei" charset="0"/>
+              <a:cs typeface="SimHei" charset="0"/>
+            </a:endParaRPr>
+          </a:p>
+        </p:txBody>
+      </p:sp>
+      <p:sp>
+        <p:nvSpPr>
+          <p:cNvPr id="68" name="文本框 67"/>
+          <p:cNvSpPr txBox="1"/>
+          <p:nvPr/>
+        </p:nvSpPr>
+        <p:spPr>
+          <a:xfrm>
+            <a:off x="2181755" y="2653428"/>
+            <a:ext cx="543739" cy="307777"/>
+          </a:xfrm>
+          <a:prstGeom prst="rect">
+            <a:avLst/>
+          </a:prstGeom>
+          <a:noFill/>
+        </p:spPr>
+        <p:txBody>
+          <a:bodyPr wrap="none" rtlCol="0">
+            <a:spAutoFit/>
+          </a:bodyPr>
+          <a:lstStyle/>
+          <a:p>
+            <a:r>
+              <a:rPr kumimoji="1" lang="zh-CN" altLang="en-US" sz="1400" b="1" dirty="0" smtClean="0">
+                <a:solidFill>
+                  <a:schemeClr val="bg1">
+                    <a:lumMod val="50000"/>
+                  </a:schemeClr>
+                </a:solidFill>
+                <a:latin typeface="SimHei" charset="0"/>
+                <a:ea typeface="SimHei" charset="0"/>
+                <a:cs typeface="SimHei" charset="0"/>
+              </a:rPr>
+              <a:t>订阅</a:t>
+            </a:r>
+            <a:endParaRPr kumimoji="1" lang="zh-CN" altLang="en-US" sz="1400" b="1" dirty="0">
+              <a:solidFill>
+                <a:schemeClr val="bg1">
+                  <a:lumMod val="50000"/>
+                </a:schemeClr>
+              </a:solidFill>
               <a:latin typeface="SimHei" charset="0"/>
               <a:ea typeface="SimHei" charset="0"/>
               <a:cs typeface="SimHei" charset="0"/>
@@ -23538,15 +24444,7 @@
                 <a:ea typeface="SimHei" charset="0"/>
                 <a:cs typeface="SimHei" charset="0"/>
               </a:rPr>
-              <a:t> </a:t>
-            </a:r>
-            <a:r>
-              <a:rPr kumimoji="1" lang="zh-CN" altLang="en-US" sz="3200" dirty="0" smtClean="0">
-                <a:latin typeface="SimHei" charset="0"/>
-                <a:ea typeface="SimHei" charset="0"/>
-                <a:cs typeface="SimHei" charset="0"/>
-              </a:rPr>
-              <a:t>黑白名单</a:t>
+              <a:t> 黑白名单</a:t>
             </a:r>
             <a:endParaRPr kumimoji="1" lang="zh-CN" altLang="en-US" sz="3200" dirty="0">
               <a:latin typeface="SimHei" charset="0"/>
@@ -23576,1116 +24474,6 @@
               <a:t>9</a:t>
             </a:fld>
             <a:endParaRPr kumimoji="1" lang="zh-CN" altLang="en-US"/>
-          </a:p>
-        </p:txBody>
-      </p:sp>
-      <p:sp>
-        <p:nvSpPr>
-          <p:cNvPr id="26" name="圆角矩形 25"/>
-          <p:cNvSpPr/>
-          <p:nvPr/>
-        </p:nvSpPr>
-        <p:spPr>
-          <a:xfrm>
-            <a:off x="1174286" y="3315650"/>
-            <a:ext cx="1194300" cy="468000"/>
-          </a:xfrm>
-          <a:prstGeom prst="roundRect">
-            <a:avLst/>
-          </a:prstGeom>
-          <a:solidFill>
-            <a:srgbClr val="0070C0"/>
-          </a:solidFill>
-          <a:ln>
-            <a:solidFill>
-              <a:srgbClr val="0070C0"/>
-            </a:solidFill>
-          </a:ln>
-        </p:spPr>
-        <p:style>
-          <a:lnRef idx="1">
-            <a:schemeClr val="accent1"/>
-          </a:lnRef>
-          <a:fillRef idx="3">
-            <a:schemeClr val="accent1"/>
-          </a:fillRef>
-          <a:effectRef idx="2">
-            <a:schemeClr val="accent1"/>
-          </a:effectRef>
-          <a:fontRef idx="minor">
-            <a:schemeClr val="lt1"/>
-          </a:fontRef>
-        </p:style>
-        <p:txBody>
-          <a:bodyPr rtlCol="0" anchor="ctr"/>
-          <a:lstStyle/>
-          <a:p>
-            <a:pPr algn="ctr"/>
-            <a:r>
-              <a:rPr kumimoji="1" lang="en-US" altLang="zh-CN" sz="1400" dirty="0" smtClean="0">
-                <a:latin typeface="SimHei" charset="0"/>
-                <a:ea typeface="SimHei" charset="0"/>
-                <a:cs typeface="SimHei" charset="0"/>
-              </a:rPr>
-              <a:t>Neural</a:t>
-            </a:r>
-            <a:endParaRPr kumimoji="1" lang="zh-CN" altLang="en-US" sz="1400" dirty="0" smtClean="0">
-              <a:latin typeface="SimHei" charset="0"/>
-              <a:ea typeface="SimHei" charset="0"/>
-              <a:cs typeface="SimHei" charset="0"/>
-            </a:endParaRPr>
-          </a:p>
-          <a:p>
-            <a:pPr algn="ctr"/>
-            <a:r>
-              <a:rPr kumimoji="1" lang="zh-CN" altLang="en-US" sz="1400" dirty="0" smtClean="0">
-                <a:latin typeface="SimHei" charset="0"/>
-                <a:ea typeface="SimHei" charset="0"/>
-                <a:cs typeface="SimHei" charset="0"/>
-              </a:rPr>
-              <a:t>节点</a:t>
-            </a:r>
-            <a:r>
-              <a:rPr kumimoji="1" lang="en-US" altLang="zh-CN" sz="1400" dirty="0" smtClean="0">
-                <a:latin typeface="SimHei" charset="0"/>
-                <a:ea typeface="SimHei" charset="0"/>
-                <a:cs typeface="SimHei" charset="0"/>
-              </a:rPr>
-              <a:t>B</a:t>
-            </a:r>
-            <a:endParaRPr kumimoji="1" lang="zh-CN" altLang="en-US" sz="1400" dirty="0" smtClean="0">
-              <a:latin typeface="SimHei" charset="0"/>
-              <a:ea typeface="SimHei" charset="0"/>
-              <a:cs typeface="SimHei" charset="0"/>
-            </a:endParaRPr>
-          </a:p>
-        </p:txBody>
-      </p:sp>
-      <p:sp>
-        <p:nvSpPr>
-          <p:cNvPr id="27" name="圆角矩形 26"/>
-          <p:cNvSpPr/>
-          <p:nvPr/>
-        </p:nvSpPr>
-        <p:spPr>
-          <a:xfrm>
-            <a:off x="2594525" y="1795300"/>
-            <a:ext cx="1194300" cy="468000"/>
-          </a:xfrm>
-          <a:prstGeom prst="roundRect">
-            <a:avLst/>
-          </a:prstGeom>
-          <a:solidFill>
-            <a:schemeClr val="tx1">
-              <a:lumMod val="65000"/>
-              <a:lumOff val="35000"/>
-            </a:schemeClr>
-          </a:solidFill>
-          <a:ln>
-            <a:solidFill>
-              <a:schemeClr val="tx1">
-                <a:lumMod val="65000"/>
-                <a:lumOff val="35000"/>
-              </a:schemeClr>
-            </a:solidFill>
-          </a:ln>
-        </p:spPr>
-        <p:style>
-          <a:lnRef idx="1">
-            <a:schemeClr val="accent1"/>
-          </a:lnRef>
-          <a:fillRef idx="3">
-            <a:schemeClr val="accent1"/>
-          </a:fillRef>
-          <a:effectRef idx="2">
-            <a:schemeClr val="accent1"/>
-          </a:effectRef>
-          <a:fontRef idx="minor">
-            <a:schemeClr val="lt1"/>
-          </a:fontRef>
-        </p:style>
-        <p:txBody>
-          <a:bodyPr rtlCol="0" anchor="ctr"/>
-          <a:lstStyle/>
-          <a:p>
-            <a:pPr algn="ctr"/>
-            <a:r>
-              <a:rPr kumimoji="1" lang="en-US" altLang="zh-CN" sz="1400" dirty="0" smtClean="0">
-                <a:latin typeface="SimHei" charset="0"/>
-                <a:ea typeface="SimHei" charset="0"/>
-                <a:cs typeface="SimHei" charset="0"/>
-              </a:rPr>
-              <a:t>Neural</a:t>
-            </a:r>
-            <a:endParaRPr kumimoji="1" lang="zh-CN" altLang="en-US" sz="1400" dirty="0" smtClean="0">
-              <a:latin typeface="SimHei" charset="0"/>
-              <a:ea typeface="SimHei" charset="0"/>
-              <a:cs typeface="SimHei" charset="0"/>
-            </a:endParaRPr>
-          </a:p>
-          <a:p>
-            <a:pPr algn="ctr"/>
-            <a:r>
-              <a:rPr kumimoji="1" lang="zh-CN" altLang="en-US" sz="1400" dirty="0" smtClean="0">
-                <a:latin typeface="SimHei" charset="0"/>
-                <a:ea typeface="SimHei" charset="0"/>
-                <a:cs typeface="SimHei" charset="0"/>
-              </a:rPr>
-              <a:t>节点</a:t>
-            </a:r>
-            <a:r>
-              <a:rPr kumimoji="1" lang="en-US" altLang="zh-CN" sz="1400" dirty="0" smtClean="0">
-                <a:latin typeface="SimHei" charset="0"/>
-                <a:ea typeface="SimHei" charset="0"/>
-                <a:cs typeface="SimHei" charset="0"/>
-              </a:rPr>
-              <a:t>A</a:t>
-            </a:r>
-            <a:endParaRPr kumimoji="1" lang="zh-CN" altLang="en-US" sz="1400" dirty="0" smtClean="0">
-              <a:latin typeface="SimHei" charset="0"/>
-              <a:ea typeface="SimHei" charset="0"/>
-              <a:cs typeface="SimHei" charset="0"/>
-            </a:endParaRPr>
-          </a:p>
-        </p:txBody>
-      </p:sp>
-      <p:cxnSp>
-        <p:nvCxnSpPr>
-          <p:cNvPr id="30" name="曲线连接符 29"/>
-          <p:cNvCxnSpPr>
-            <a:stCxn id="26" idx="3"/>
-            <a:endCxn id="27" idx="2"/>
-          </p:cNvCxnSpPr>
-          <p:nvPr/>
-        </p:nvCxnSpPr>
-        <p:spPr>
-          <a:xfrm flipV="1">
-            <a:off x="2368586" y="2263300"/>
-            <a:ext cx="823089" cy="1286350"/>
-          </a:xfrm>
-          <a:prstGeom prst="curvedConnector2">
-            <a:avLst/>
-          </a:prstGeom>
-          <a:ln w="19050">
-            <a:solidFill>
-              <a:srgbClr val="0070C0"/>
-            </a:solidFill>
-            <a:prstDash val="solid"/>
-            <a:tailEnd type="arrow"/>
-          </a:ln>
-        </p:spPr>
-        <p:style>
-          <a:lnRef idx="2">
-            <a:schemeClr val="accent1"/>
-          </a:lnRef>
-          <a:fillRef idx="0">
-            <a:schemeClr val="accent1"/>
-          </a:fillRef>
-          <a:effectRef idx="1">
-            <a:schemeClr val="accent1"/>
-          </a:effectRef>
-          <a:fontRef idx="minor">
-            <a:schemeClr val="tx1"/>
-          </a:fontRef>
-        </p:style>
-      </p:cxnSp>
-      <p:sp>
-        <p:nvSpPr>
-          <p:cNvPr id="33" name="圆角矩形 32"/>
-          <p:cNvSpPr/>
-          <p:nvPr/>
-        </p:nvSpPr>
-        <p:spPr>
-          <a:xfrm>
-            <a:off x="3788825" y="3315650"/>
-            <a:ext cx="1194300" cy="468000"/>
-          </a:xfrm>
-          <a:prstGeom prst="roundRect">
-            <a:avLst/>
-          </a:prstGeom>
-          <a:solidFill>
-            <a:srgbClr val="0070C0"/>
-          </a:solidFill>
-          <a:ln>
-            <a:solidFill>
-              <a:srgbClr val="0070C0"/>
-            </a:solidFill>
-          </a:ln>
-        </p:spPr>
-        <p:style>
-          <a:lnRef idx="1">
-            <a:schemeClr val="accent1"/>
-          </a:lnRef>
-          <a:fillRef idx="3">
-            <a:schemeClr val="accent1"/>
-          </a:fillRef>
-          <a:effectRef idx="2">
-            <a:schemeClr val="accent1"/>
-          </a:effectRef>
-          <a:fontRef idx="minor">
-            <a:schemeClr val="lt1"/>
-          </a:fontRef>
-        </p:style>
-        <p:txBody>
-          <a:bodyPr rtlCol="0" anchor="ctr"/>
-          <a:lstStyle/>
-          <a:p>
-            <a:pPr algn="ctr"/>
-            <a:r>
-              <a:rPr kumimoji="1" lang="en-US" altLang="zh-CN" sz="1400" dirty="0" smtClean="0">
-                <a:latin typeface="SimHei" charset="0"/>
-                <a:ea typeface="SimHei" charset="0"/>
-                <a:cs typeface="SimHei" charset="0"/>
-              </a:rPr>
-              <a:t>Neural</a:t>
-            </a:r>
-            <a:endParaRPr kumimoji="1" lang="zh-CN" altLang="en-US" sz="1400" dirty="0" smtClean="0">
-              <a:latin typeface="SimHei" charset="0"/>
-              <a:ea typeface="SimHei" charset="0"/>
-              <a:cs typeface="SimHei" charset="0"/>
-            </a:endParaRPr>
-          </a:p>
-          <a:p>
-            <a:pPr algn="ctr"/>
-            <a:r>
-              <a:rPr kumimoji="1" lang="zh-CN" altLang="en-US" sz="1400" dirty="0" smtClean="0">
-                <a:latin typeface="SimHei" charset="0"/>
-                <a:ea typeface="SimHei" charset="0"/>
-                <a:cs typeface="SimHei" charset="0"/>
-              </a:rPr>
-              <a:t>节点</a:t>
-            </a:r>
-            <a:r>
-              <a:rPr kumimoji="1" lang="en-US" altLang="zh-CN" sz="1400" dirty="0" smtClean="0">
-                <a:latin typeface="SimHei" charset="0"/>
-                <a:ea typeface="SimHei" charset="0"/>
-                <a:cs typeface="SimHei" charset="0"/>
-              </a:rPr>
-              <a:t>B</a:t>
-            </a:r>
-            <a:endParaRPr kumimoji="1" lang="zh-CN" altLang="en-US" sz="1400" dirty="0" smtClean="0">
-              <a:latin typeface="SimHei" charset="0"/>
-              <a:ea typeface="SimHei" charset="0"/>
-              <a:cs typeface="SimHei" charset="0"/>
-            </a:endParaRPr>
-          </a:p>
-        </p:txBody>
-      </p:sp>
-      <p:cxnSp>
-        <p:nvCxnSpPr>
-          <p:cNvPr id="34" name="曲线连接符 33"/>
-          <p:cNvCxnSpPr>
-            <a:stCxn id="27" idx="3"/>
-            <a:endCxn id="33" idx="0"/>
-          </p:cNvCxnSpPr>
-          <p:nvPr/>
-        </p:nvCxnSpPr>
-        <p:spPr>
-          <a:xfrm>
-            <a:off x="3788825" y="2029300"/>
-            <a:ext cx="597150" cy="1286350"/>
-          </a:xfrm>
-          <a:prstGeom prst="curvedConnector2">
-            <a:avLst/>
-          </a:prstGeom>
-          <a:ln w="19050">
-            <a:solidFill>
-              <a:srgbClr val="0070C0"/>
-            </a:solidFill>
-            <a:prstDash val="solid"/>
-            <a:tailEnd type="arrow"/>
-          </a:ln>
-        </p:spPr>
-        <p:style>
-          <a:lnRef idx="2">
-            <a:schemeClr val="accent1"/>
-          </a:lnRef>
-          <a:fillRef idx="0">
-            <a:schemeClr val="accent1"/>
-          </a:fillRef>
-          <a:effectRef idx="1">
-            <a:schemeClr val="accent1"/>
-          </a:effectRef>
-          <a:fontRef idx="minor">
-            <a:schemeClr val="tx1"/>
-          </a:fontRef>
-        </p:style>
-      </p:cxnSp>
-      <p:cxnSp>
-        <p:nvCxnSpPr>
-          <p:cNvPr id="39" name="曲线连接符 38"/>
-          <p:cNvCxnSpPr>
-            <a:stCxn id="27" idx="1"/>
-            <a:endCxn id="26" idx="0"/>
-          </p:cNvCxnSpPr>
-          <p:nvPr/>
-        </p:nvCxnSpPr>
-        <p:spPr>
-          <a:xfrm rot="10800000" flipV="1">
-            <a:off x="1771437" y="2029300"/>
-            <a:ext cx="823089" cy="1286350"/>
-          </a:xfrm>
-          <a:prstGeom prst="curvedConnector2">
-            <a:avLst/>
-          </a:prstGeom>
-          <a:ln w="19050">
-            <a:solidFill>
-              <a:srgbClr val="0070C0"/>
-            </a:solidFill>
-            <a:prstDash val="solid"/>
-            <a:tailEnd type="arrow"/>
-          </a:ln>
-        </p:spPr>
-        <p:style>
-          <a:lnRef idx="2">
-            <a:schemeClr val="accent1"/>
-          </a:lnRef>
-          <a:fillRef idx="0">
-            <a:schemeClr val="accent1"/>
-          </a:fillRef>
-          <a:effectRef idx="1">
-            <a:schemeClr val="accent1"/>
-          </a:effectRef>
-          <a:fontRef idx="minor">
-            <a:schemeClr val="tx1"/>
-          </a:fontRef>
-        </p:style>
-      </p:cxnSp>
-      <p:cxnSp>
-        <p:nvCxnSpPr>
-          <p:cNvPr id="50" name="曲线连接符 49"/>
-          <p:cNvCxnSpPr>
-            <a:stCxn id="33" idx="1"/>
-            <a:endCxn id="27" idx="2"/>
-          </p:cNvCxnSpPr>
-          <p:nvPr/>
-        </p:nvCxnSpPr>
-        <p:spPr>
-          <a:xfrm rot="10800000">
-            <a:off x="3191675" y="2263300"/>
-            <a:ext cx="597150" cy="1286350"/>
-          </a:xfrm>
-          <a:prstGeom prst="curvedConnector2">
-            <a:avLst/>
-          </a:prstGeom>
-          <a:ln w="19050">
-            <a:solidFill>
-              <a:srgbClr val="0070C0"/>
-            </a:solidFill>
-            <a:prstDash val="solid"/>
-            <a:tailEnd type="arrow"/>
-          </a:ln>
-        </p:spPr>
-        <p:style>
-          <a:lnRef idx="2">
-            <a:schemeClr val="accent1"/>
-          </a:lnRef>
-          <a:fillRef idx="0">
-            <a:schemeClr val="accent1"/>
-          </a:fillRef>
-          <a:effectRef idx="1">
-            <a:schemeClr val="accent1"/>
-          </a:effectRef>
-          <a:fontRef idx="minor">
-            <a:schemeClr val="tx1"/>
-          </a:fontRef>
-        </p:style>
-      </p:cxnSp>
-      <p:sp>
-        <p:nvSpPr>
-          <p:cNvPr id="59" name="圆角矩形 58"/>
-          <p:cNvSpPr/>
-          <p:nvPr/>
-        </p:nvSpPr>
-        <p:spPr>
-          <a:xfrm>
-            <a:off x="3788825" y="5070000"/>
-            <a:ext cx="1194300" cy="468000"/>
-          </a:xfrm>
-          <a:prstGeom prst="roundRect">
-            <a:avLst/>
-          </a:prstGeom>
-          <a:solidFill>
-            <a:srgbClr val="0070C0"/>
-          </a:solidFill>
-          <a:ln>
-            <a:solidFill>
-              <a:srgbClr val="0070C0"/>
-            </a:solidFill>
-          </a:ln>
-        </p:spPr>
-        <p:style>
-          <a:lnRef idx="1">
-            <a:schemeClr val="accent1"/>
-          </a:lnRef>
-          <a:fillRef idx="3">
-            <a:schemeClr val="accent1"/>
-          </a:fillRef>
-          <a:effectRef idx="2">
-            <a:schemeClr val="accent1"/>
-          </a:effectRef>
-          <a:fontRef idx="minor">
-            <a:schemeClr val="lt1"/>
-          </a:fontRef>
-        </p:style>
-        <p:txBody>
-          <a:bodyPr rtlCol="0" anchor="ctr"/>
-          <a:lstStyle/>
-          <a:p>
-            <a:pPr algn="ctr"/>
-            <a:r>
-              <a:rPr kumimoji="1" lang="en-US" altLang="zh-CN" sz="1400" dirty="0" smtClean="0">
-                <a:latin typeface="SimHei" charset="0"/>
-                <a:ea typeface="SimHei" charset="0"/>
-                <a:cs typeface="SimHei" charset="0"/>
-              </a:rPr>
-              <a:t>Neural</a:t>
-            </a:r>
-            <a:endParaRPr kumimoji="1" lang="zh-CN" altLang="en-US" sz="1400" dirty="0" smtClean="0">
-              <a:latin typeface="SimHei" charset="0"/>
-              <a:ea typeface="SimHei" charset="0"/>
-              <a:cs typeface="SimHei" charset="0"/>
-            </a:endParaRPr>
-          </a:p>
-          <a:p>
-            <a:pPr algn="ctr"/>
-            <a:r>
-              <a:rPr kumimoji="1" lang="zh-CN" altLang="en-US" sz="1400" dirty="0" smtClean="0">
-                <a:latin typeface="SimHei" charset="0"/>
-                <a:ea typeface="SimHei" charset="0"/>
-                <a:cs typeface="SimHei" charset="0"/>
-              </a:rPr>
-              <a:t>节点</a:t>
-            </a:r>
-            <a:r>
-              <a:rPr kumimoji="1" lang="en-US" altLang="zh-CN" sz="1400" dirty="0" smtClean="0">
-                <a:latin typeface="SimHei" charset="0"/>
-                <a:ea typeface="SimHei" charset="0"/>
-                <a:cs typeface="SimHei" charset="0"/>
-              </a:rPr>
-              <a:t>B</a:t>
-            </a:r>
-            <a:endParaRPr kumimoji="1" lang="zh-CN" altLang="en-US" sz="1400" dirty="0" smtClean="0">
-              <a:latin typeface="SimHei" charset="0"/>
-              <a:ea typeface="SimHei" charset="0"/>
-              <a:cs typeface="SimHei" charset="0"/>
-            </a:endParaRPr>
-          </a:p>
-        </p:txBody>
-      </p:sp>
-      <p:cxnSp>
-        <p:nvCxnSpPr>
-          <p:cNvPr id="60" name="曲线连接符 59"/>
-          <p:cNvCxnSpPr>
-            <a:stCxn id="33" idx="3"/>
-            <a:endCxn id="59" idx="3"/>
-          </p:cNvCxnSpPr>
-          <p:nvPr/>
-        </p:nvCxnSpPr>
-        <p:spPr>
-          <a:xfrm>
-            <a:off x="4983125" y="3549650"/>
-            <a:ext cx="12700" cy="1754350"/>
-          </a:xfrm>
-          <a:prstGeom prst="curvedConnector3">
-            <a:avLst>
-              <a:gd name="adj1" fmla="val 1800000"/>
-            </a:avLst>
-          </a:prstGeom>
-          <a:ln w="19050">
-            <a:solidFill>
-              <a:srgbClr val="0070C0"/>
-            </a:solidFill>
-            <a:prstDash val="solid"/>
-            <a:tailEnd type="arrow"/>
-          </a:ln>
-        </p:spPr>
-        <p:style>
-          <a:lnRef idx="2">
-            <a:schemeClr val="accent1"/>
-          </a:lnRef>
-          <a:fillRef idx="0">
-            <a:schemeClr val="accent1"/>
-          </a:fillRef>
-          <a:effectRef idx="1">
-            <a:schemeClr val="accent1"/>
-          </a:effectRef>
-          <a:fontRef idx="minor">
-            <a:schemeClr val="tx1"/>
-          </a:fontRef>
-        </p:style>
-      </p:cxnSp>
-      <p:cxnSp>
-        <p:nvCxnSpPr>
-          <p:cNvPr id="63" name="曲线连接符 62"/>
-          <p:cNvCxnSpPr>
-            <a:stCxn id="59" idx="1"/>
-            <a:endCxn id="33" idx="2"/>
-          </p:cNvCxnSpPr>
-          <p:nvPr/>
-        </p:nvCxnSpPr>
-        <p:spPr>
-          <a:xfrm rot="10800000" flipH="1">
-            <a:off x="3788825" y="3783650"/>
-            <a:ext cx="597150" cy="1520350"/>
-          </a:xfrm>
-          <a:prstGeom prst="curvedConnector4">
-            <a:avLst>
-              <a:gd name="adj1" fmla="val -38282"/>
-              <a:gd name="adj2" fmla="val 57696"/>
-            </a:avLst>
-          </a:prstGeom>
-          <a:ln w="19050">
-            <a:solidFill>
-              <a:srgbClr val="0070C0"/>
-            </a:solidFill>
-            <a:prstDash val="solid"/>
-            <a:tailEnd type="arrow"/>
-          </a:ln>
-        </p:spPr>
-        <p:style>
-          <a:lnRef idx="2">
-            <a:schemeClr val="accent1"/>
-          </a:lnRef>
-          <a:fillRef idx="0">
-            <a:schemeClr val="accent1"/>
-          </a:fillRef>
-          <a:effectRef idx="1">
-            <a:schemeClr val="accent1"/>
-          </a:effectRef>
-          <a:fontRef idx="minor">
-            <a:schemeClr val="tx1"/>
-          </a:fontRef>
-        </p:style>
-      </p:cxnSp>
-      <p:sp>
-        <p:nvSpPr>
-          <p:cNvPr id="52" name="文本框 51"/>
-          <p:cNvSpPr txBox="1"/>
-          <p:nvPr/>
-        </p:nvSpPr>
-        <p:spPr>
-          <a:xfrm>
-            <a:off x="2724468" y="1052650"/>
-            <a:ext cx="1494320" cy="646331"/>
-          </a:xfrm>
-          <a:prstGeom prst="rect">
-            <a:avLst/>
-          </a:prstGeom>
-          <a:noFill/>
-        </p:spPr>
-        <p:txBody>
-          <a:bodyPr wrap="none" rtlCol="0">
-            <a:spAutoFit/>
-          </a:bodyPr>
-          <a:lstStyle/>
-          <a:p>
-            <a:r>
-              <a:rPr kumimoji="1" lang="zh-CN" altLang="en-US" dirty="0" smtClean="0"/>
-              <a:t>交易</a:t>
-            </a:r>
-            <a:r>
-              <a:rPr kumimoji="1" lang="en-US" altLang="zh-CN" dirty="0" smtClean="0"/>
-              <a:t>001</a:t>
-            </a:r>
-            <a:endParaRPr kumimoji="1" lang="zh-CN" altLang="en-US" dirty="0" smtClean="0"/>
-          </a:p>
-          <a:p>
-            <a:r>
-              <a:rPr kumimoji="1" lang="zh-CN" altLang="en-US" dirty="0" smtClean="0"/>
-              <a:t>交易</a:t>
-            </a:r>
-            <a:r>
-              <a:rPr kumimoji="1" lang="en-US" altLang="zh-CN" dirty="0" smtClean="0"/>
-              <a:t>ID:10000</a:t>
-            </a:r>
-            <a:endParaRPr kumimoji="1" lang="zh-CN" altLang="en-US" dirty="0" smtClean="0"/>
-          </a:p>
-        </p:txBody>
-      </p:sp>
-      <p:sp>
-        <p:nvSpPr>
-          <p:cNvPr id="53" name="文本框 52"/>
-          <p:cNvSpPr txBox="1"/>
-          <p:nvPr/>
-        </p:nvSpPr>
-        <p:spPr>
-          <a:xfrm>
-            <a:off x="4371975" y="2443163"/>
-            <a:ext cx="1141659" cy="276999"/>
-          </a:xfrm>
-          <a:prstGeom prst="rect">
-            <a:avLst/>
-          </a:prstGeom>
-          <a:noFill/>
-        </p:spPr>
-        <p:txBody>
-          <a:bodyPr wrap="none" rtlCol="0">
-            <a:spAutoFit/>
-          </a:bodyPr>
-          <a:lstStyle/>
-          <a:p>
-            <a:r>
-              <a:rPr kumimoji="1" lang="zh-CN" altLang="en-US" sz="1200" dirty="0" smtClean="0"/>
-              <a:t>请求耗时</a:t>
-            </a:r>
-            <a:r>
-              <a:rPr kumimoji="1" lang="en-US" altLang="zh-CN" sz="1200" dirty="0" smtClean="0"/>
-              <a:t>50ms</a:t>
-            </a:r>
-            <a:endParaRPr kumimoji="1" lang="zh-CN" altLang="en-US" sz="1200" dirty="0"/>
-          </a:p>
-        </p:txBody>
-      </p:sp>
-      <p:sp>
-        <p:nvSpPr>
-          <p:cNvPr id="74" name="文本框 73"/>
-          <p:cNvSpPr txBox="1"/>
-          <p:nvPr/>
-        </p:nvSpPr>
-        <p:spPr>
-          <a:xfrm>
-            <a:off x="3365984" y="2787074"/>
-            <a:ext cx="679994" cy="461665"/>
-          </a:xfrm>
-          <a:prstGeom prst="rect">
-            <a:avLst/>
-          </a:prstGeom>
-          <a:noFill/>
-        </p:spPr>
-        <p:txBody>
-          <a:bodyPr wrap="none" rtlCol="0">
-            <a:spAutoFit/>
-          </a:bodyPr>
-          <a:lstStyle/>
-          <a:p>
-            <a:r>
-              <a:rPr kumimoji="1" lang="zh-CN" altLang="en-US" sz="1200" dirty="0" smtClean="0"/>
-              <a:t>响应耗</a:t>
-            </a:r>
-          </a:p>
-          <a:p>
-            <a:r>
-              <a:rPr kumimoji="1" lang="zh-CN" altLang="en-US" sz="1200" dirty="0" smtClean="0"/>
-              <a:t>时</a:t>
-            </a:r>
-            <a:r>
-              <a:rPr kumimoji="1" lang="en-US" altLang="zh-CN" sz="1200" dirty="0" smtClean="0"/>
-              <a:t>64ms</a:t>
-            </a:r>
-            <a:endParaRPr kumimoji="1" lang="zh-CN" altLang="en-US" sz="1200" dirty="0"/>
-          </a:p>
-        </p:txBody>
-      </p:sp>
-      <p:sp>
-        <p:nvSpPr>
-          <p:cNvPr id="75" name="文本框 74"/>
-          <p:cNvSpPr txBox="1"/>
-          <p:nvPr/>
-        </p:nvSpPr>
-        <p:spPr>
-          <a:xfrm>
-            <a:off x="2300260" y="2740153"/>
-            <a:ext cx="679994" cy="461665"/>
-          </a:xfrm>
-          <a:prstGeom prst="rect">
-            <a:avLst/>
-          </a:prstGeom>
-          <a:noFill/>
-        </p:spPr>
-        <p:txBody>
-          <a:bodyPr wrap="none" rtlCol="0">
-            <a:spAutoFit/>
-          </a:bodyPr>
-          <a:lstStyle/>
-          <a:p>
-            <a:r>
-              <a:rPr kumimoji="1" lang="zh-CN" altLang="en-US" sz="1200" dirty="0" smtClean="0"/>
-              <a:t>响应耗</a:t>
-            </a:r>
-          </a:p>
-          <a:p>
-            <a:r>
-              <a:rPr kumimoji="1" lang="zh-CN" altLang="en-US" sz="1200" dirty="0" smtClean="0"/>
-              <a:t>时</a:t>
-            </a:r>
-            <a:r>
-              <a:rPr kumimoji="1" lang="en-US" altLang="zh-CN" sz="1200" dirty="0" smtClean="0"/>
-              <a:t>34ms</a:t>
-            </a:r>
-            <a:endParaRPr kumimoji="1" lang="zh-CN" altLang="en-US" sz="1200" dirty="0"/>
-          </a:p>
-        </p:txBody>
-      </p:sp>
-      <p:sp>
-        <p:nvSpPr>
-          <p:cNvPr id="76" name="文本框 75"/>
-          <p:cNvSpPr txBox="1"/>
-          <p:nvPr/>
-        </p:nvSpPr>
-        <p:spPr>
-          <a:xfrm>
-            <a:off x="895101" y="2304663"/>
-            <a:ext cx="1141659" cy="276999"/>
-          </a:xfrm>
-          <a:prstGeom prst="rect">
-            <a:avLst/>
-          </a:prstGeom>
-          <a:noFill/>
-        </p:spPr>
-        <p:txBody>
-          <a:bodyPr wrap="none" rtlCol="0">
-            <a:spAutoFit/>
-          </a:bodyPr>
-          <a:lstStyle/>
-          <a:p>
-            <a:r>
-              <a:rPr kumimoji="1" lang="zh-CN" altLang="en-US" sz="1200" dirty="0" smtClean="0"/>
-              <a:t>请求耗时</a:t>
-            </a:r>
-            <a:r>
-              <a:rPr kumimoji="1" lang="en-US" altLang="zh-CN" sz="1200" dirty="0" smtClean="0"/>
-              <a:t>13ms</a:t>
-            </a:r>
-            <a:endParaRPr kumimoji="1" lang="zh-CN" altLang="en-US" sz="1200" dirty="0"/>
-          </a:p>
-        </p:txBody>
-      </p:sp>
-      <p:sp>
-        <p:nvSpPr>
-          <p:cNvPr id="77" name="文本框 76"/>
-          <p:cNvSpPr txBox="1"/>
-          <p:nvPr/>
-        </p:nvSpPr>
-        <p:spPr>
-          <a:xfrm>
-            <a:off x="5235383" y="4288325"/>
-            <a:ext cx="1141659" cy="276999"/>
-          </a:xfrm>
-          <a:prstGeom prst="rect">
-            <a:avLst/>
-          </a:prstGeom>
-          <a:noFill/>
-        </p:spPr>
-        <p:txBody>
-          <a:bodyPr wrap="none" rtlCol="0">
-            <a:spAutoFit/>
-          </a:bodyPr>
-          <a:lstStyle/>
-          <a:p>
-            <a:r>
-              <a:rPr kumimoji="1" lang="zh-CN" altLang="en-US" sz="1200" dirty="0" smtClean="0"/>
-              <a:t>请求耗时</a:t>
-            </a:r>
-            <a:r>
-              <a:rPr kumimoji="1" lang="en-US" altLang="zh-CN" sz="1200" dirty="0" smtClean="0"/>
-              <a:t>42ms</a:t>
-            </a:r>
-            <a:endParaRPr kumimoji="1" lang="zh-CN" altLang="en-US" sz="1200" dirty="0"/>
-          </a:p>
-        </p:txBody>
-      </p:sp>
-      <p:sp>
-        <p:nvSpPr>
-          <p:cNvPr id="78" name="文本框 77"/>
-          <p:cNvSpPr txBox="1"/>
-          <p:nvPr/>
-        </p:nvSpPr>
-        <p:spPr>
-          <a:xfrm>
-            <a:off x="2640257" y="4405325"/>
-            <a:ext cx="1141659" cy="276999"/>
-          </a:xfrm>
-          <a:prstGeom prst="rect">
-            <a:avLst/>
-          </a:prstGeom>
-          <a:noFill/>
-        </p:spPr>
-        <p:txBody>
-          <a:bodyPr wrap="none" rtlCol="0">
-            <a:spAutoFit/>
-          </a:bodyPr>
-          <a:lstStyle/>
-          <a:p>
-            <a:r>
-              <a:rPr kumimoji="1" lang="zh-CN" altLang="en-US" sz="1200" dirty="0" smtClean="0"/>
-              <a:t>响应耗时</a:t>
-            </a:r>
-            <a:r>
-              <a:rPr kumimoji="1" lang="en-US" altLang="zh-CN" sz="1200" dirty="0" smtClean="0"/>
-              <a:t>42ms</a:t>
-            </a:r>
-            <a:endParaRPr kumimoji="1" lang="zh-CN" altLang="en-US" sz="1200" dirty="0"/>
-          </a:p>
-        </p:txBody>
-      </p:sp>
-      <p:sp>
-        <p:nvSpPr>
-          <p:cNvPr id="80" name="文本框 79"/>
-          <p:cNvSpPr txBox="1"/>
-          <p:nvPr/>
-        </p:nvSpPr>
-        <p:spPr>
-          <a:xfrm>
-            <a:off x="5209064" y="3411150"/>
-            <a:ext cx="1186543" cy="276999"/>
-          </a:xfrm>
-          <a:prstGeom prst="rect">
-            <a:avLst/>
-          </a:prstGeom>
-          <a:noFill/>
-        </p:spPr>
-        <p:txBody>
-          <a:bodyPr wrap="none" rtlCol="0">
-            <a:spAutoFit/>
-          </a:bodyPr>
-          <a:lstStyle/>
-          <a:p>
-            <a:r>
-              <a:rPr kumimoji="1" lang="zh-CN" altLang="en-US" sz="1200" dirty="0" smtClean="0">
-                <a:solidFill>
-                  <a:srgbClr val="C00000"/>
-                </a:solidFill>
-              </a:rPr>
-              <a:t>本节点重试</a:t>
-            </a:r>
-            <a:r>
-              <a:rPr kumimoji="1" lang="en-US" altLang="zh-CN" sz="1200" dirty="0" smtClean="0">
-                <a:solidFill>
-                  <a:srgbClr val="C00000"/>
-                </a:solidFill>
-              </a:rPr>
-              <a:t>2</a:t>
-            </a:r>
-            <a:r>
-              <a:rPr kumimoji="1" lang="zh-CN" altLang="en-US" sz="1200" dirty="0" smtClean="0">
-                <a:solidFill>
-                  <a:srgbClr val="C00000"/>
-                </a:solidFill>
-              </a:rPr>
-              <a:t>次</a:t>
-            </a:r>
-            <a:endParaRPr kumimoji="1" lang="zh-CN" altLang="en-US" sz="1200" dirty="0">
-              <a:solidFill>
-                <a:srgbClr val="C00000"/>
-              </a:solidFill>
-            </a:endParaRPr>
-          </a:p>
-        </p:txBody>
-      </p:sp>
-      <p:sp>
-        <p:nvSpPr>
-          <p:cNvPr id="81" name="文本框 80"/>
-          <p:cNvSpPr txBox="1"/>
-          <p:nvPr/>
-        </p:nvSpPr>
-        <p:spPr>
-          <a:xfrm>
-            <a:off x="101671" y="3506651"/>
-            <a:ext cx="1186543" cy="276999"/>
-          </a:xfrm>
-          <a:prstGeom prst="rect">
-            <a:avLst/>
-          </a:prstGeom>
-          <a:noFill/>
-        </p:spPr>
-        <p:txBody>
-          <a:bodyPr wrap="none" rtlCol="0">
-            <a:spAutoFit/>
-          </a:bodyPr>
-          <a:lstStyle/>
-          <a:p>
-            <a:r>
-              <a:rPr kumimoji="1" lang="zh-CN" altLang="en-US" sz="1200" dirty="0" smtClean="0">
-                <a:solidFill>
-                  <a:srgbClr val="C00000"/>
-                </a:solidFill>
-              </a:rPr>
-              <a:t>本节点重试</a:t>
-            </a:r>
-            <a:r>
-              <a:rPr kumimoji="1" lang="en-US" altLang="zh-CN" sz="1200" dirty="0">
-                <a:solidFill>
-                  <a:srgbClr val="C00000"/>
-                </a:solidFill>
-              </a:rPr>
-              <a:t>0</a:t>
-            </a:r>
-            <a:r>
-              <a:rPr kumimoji="1" lang="zh-CN" altLang="en-US" sz="1200" dirty="0" smtClean="0">
-                <a:solidFill>
-                  <a:srgbClr val="C00000"/>
-                </a:solidFill>
-              </a:rPr>
-              <a:t>次</a:t>
-            </a:r>
-            <a:endParaRPr kumimoji="1" lang="zh-CN" altLang="en-US" sz="1200" dirty="0">
-              <a:solidFill>
-                <a:srgbClr val="C00000"/>
-              </a:solidFill>
-            </a:endParaRPr>
-          </a:p>
-        </p:txBody>
-      </p:sp>
-      <p:sp>
-        <p:nvSpPr>
-          <p:cNvPr id="82" name="文本框 81"/>
-          <p:cNvSpPr txBox="1"/>
-          <p:nvPr/>
-        </p:nvSpPr>
-        <p:spPr>
-          <a:xfrm>
-            <a:off x="2980254" y="5765676"/>
-            <a:ext cx="2666114" cy="276999"/>
-          </a:xfrm>
-          <a:prstGeom prst="rect">
-            <a:avLst/>
-          </a:prstGeom>
-          <a:noFill/>
-        </p:spPr>
-        <p:txBody>
-          <a:bodyPr wrap="none" rtlCol="0">
-            <a:spAutoFit/>
-          </a:bodyPr>
-          <a:lstStyle/>
-          <a:p>
-            <a:r>
-              <a:rPr kumimoji="1" lang="zh-CN" altLang="en-US" sz="1200" dirty="0" smtClean="0">
-                <a:solidFill>
-                  <a:srgbClr val="C00000"/>
-                </a:solidFill>
-              </a:rPr>
-              <a:t>本节点重试</a:t>
-            </a:r>
-            <a:r>
-              <a:rPr kumimoji="1" lang="en-US" altLang="zh-CN" sz="1200" dirty="0" smtClean="0">
-                <a:solidFill>
-                  <a:srgbClr val="C00000"/>
-                </a:solidFill>
-              </a:rPr>
-              <a:t>3</a:t>
-            </a:r>
-            <a:r>
-              <a:rPr kumimoji="1" lang="zh-CN" altLang="en-US" sz="1200" dirty="0" smtClean="0">
-                <a:solidFill>
-                  <a:srgbClr val="C00000"/>
-                </a:solidFill>
-              </a:rPr>
-              <a:t>次后调用</a:t>
-            </a:r>
-            <a:r>
-              <a:rPr kumimoji="1" lang="en-US" altLang="zh-CN" sz="1200" dirty="0" smtClean="0">
-                <a:solidFill>
-                  <a:srgbClr val="C00000"/>
-                </a:solidFill>
-              </a:rPr>
-              <a:t>mock</a:t>
-            </a:r>
-            <a:r>
-              <a:rPr kumimoji="1" lang="zh-CN" altLang="en-US" sz="1200" dirty="0" smtClean="0">
-                <a:solidFill>
-                  <a:srgbClr val="C00000"/>
-                </a:solidFill>
-              </a:rPr>
-              <a:t>进行降级</a:t>
-            </a:r>
-            <a:endParaRPr kumimoji="1" lang="zh-CN" altLang="en-US" sz="1200" dirty="0">
-              <a:solidFill>
-                <a:srgbClr val="C00000"/>
-              </a:solidFill>
-            </a:endParaRPr>
-          </a:p>
-        </p:txBody>
-      </p:sp>
-      <p:sp>
-        <p:nvSpPr>
-          <p:cNvPr id="83" name="文本框 82"/>
-          <p:cNvSpPr txBox="1"/>
-          <p:nvPr/>
-        </p:nvSpPr>
-        <p:spPr>
-          <a:xfrm>
-            <a:off x="3978728" y="1836663"/>
-            <a:ext cx="1186543" cy="276999"/>
-          </a:xfrm>
-          <a:prstGeom prst="rect">
-            <a:avLst/>
-          </a:prstGeom>
-          <a:noFill/>
-        </p:spPr>
-        <p:txBody>
-          <a:bodyPr wrap="none" rtlCol="0">
-            <a:spAutoFit/>
-          </a:bodyPr>
-          <a:lstStyle/>
-          <a:p>
-            <a:r>
-              <a:rPr kumimoji="1" lang="zh-CN" altLang="en-US" sz="1200" dirty="0" smtClean="0">
-                <a:solidFill>
-                  <a:srgbClr val="C00000"/>
-                </a:solidFill>
-              </a:rPr>
-              <a:t>本节点重试</a:t>
-            </a:r>
-            <a:r>
-              <a:rPr kumimoji="1" lang="en-US" altLang="zh-CN" sz="1200" dirty="0" smtClean="0">
-                <a:solidFill>
-                  <a:srgbClr val="C00000"/>
-                </a:solidFill>
-              </a:rPr>
-              <a:t>0</a:t>
-            </a:r>
-            <a:r>
-              <a:rPr kumimoji="1" lang="zh-CN" altLang="en-US" sz="1200" dirty="0" smtClean="0">
-                <a:solidFill>
-                  <a:srgbClr val="C00000"/>
-                </a:solidFill>
-              </a:rPr>
-              <a:t>次</a:t>
-            </a:r>
-            <a:endParaRPr kumimoji="1" lang="zh-CN" altLang="en-US" sz="1200" dirty="0">
-              <a:solidFill>
-                <a:srgbClr val="C00000"/>
-              </a:solidFill>
-            </a:endParaRPr>
-          </a:p>
-        </p:txBody>
-      </p:sp>
-      <p:sp>
-        <p:nvSpPr>
-          <p:cNvPr id="55" name="文本框 54"/>
-          <p:cNvSpPr txBox="1"/>
-          <p:nvPr/>
-        </p:nvSpPr>
-        <p:spPr>
-          <a:xfrm>
-            <a:off x="4499296" y="3421737"/>
-            <a:ext cx="397866" cy="584775"/>
-          </a:xfrm>
-          <a:prstGeom prst="rect">
-            <a:avLst/>
-          </a:prstGeom>
-          <a:noFill/>
-        </p:spPr>
-        <p:txBody>
-          <a:bodyPr wrap="none" rtlCol="0">
-            <a:spAutoFit/>
-          </a:bodyPr>
-          <a:lstStyle/>
-          <a:p>
-            <a:r>
-              <a:rPr kumimoji="1" lang="en-US" altLang="zh-CN" sz="3200" smtClean="0">
-                <a:solidFill>
-                  <a:srgbClr val="FF0000"/>
-                </a:solidFill>
-              </a:rPr>
-              <a:t>X</a:t>
-            </a:r>
-            <a:endParaRPr kumimoji="1" lang="zh-CN" altLang="en-US" sz="3200" dirty="0">
-              <a:solidFill>
-                <a:srgbClr val="FF0000"/>
-              </a:solidFill>
-            </a:endParaRPr>
           </a:p>
         </p:txBody>
       </p:sp>
